--- a/conf.pptx
+++ b/conf.pptx
@@ -23,45 +23,49 @@
     <p:sldId id="263" r:id="rId17"/>
     <p:sldId id="319" r:id="rId18"/>
     <p:sldId id="264" r:id="rId19"/>
-    <p:sldId id="289" r:id="rId20"/>
-    <p:sldId id="290" r:id="rId21"/>
-    <p:sldId id="292" r:id="rId22"/>
-    <p:sldId id="294" r:id="rId23"/>
-    <p:sldId id="266" r:id="rId24"/>
-    <p:sldId id="293" r:id="rId25"/>
-    <p:sldId id="297" r:id="rId26"/>
-    <p:sldId id="265" r:id="rId27"/>
-    <p:sldId id="291" r:id="rId28"/>
-    <p:sldId id="296" r:id="rId29"/>
-    <p:sldId id="267" r:id="rId30"/>
-    <p:sldId id="295" r:id="rId31"/>
-    <p:sldId id="298" r:id="rId32"/>
-    <p:sldId id="268" r:id="rId33"/>
-    <p:sldId id="305" r:id="rId34"/>
-    <p:sldId id="306" r:id="rId35"/>
-    <p:sldId id="316" r:id="rId36"/>
-    <p:sldId id="315" r:id="rId37"/>
-    <p:sldId id="269" r:id="rId38"/>
-    <p:sldId id="302" r:id="rId39"/>
-    <p:sldId id="309" r:id="rId40"/>
-    <p:sldId id="312" r:id="rId41"/>
-    <p:sldId id="310" r:id="rId42"/>
-    <p:sldId id="313" r:id="rId43"/>
-    <p:sldId id="311" r:id="rId44"/>
-    <p:sldId id="314" r:id="rId45"/>
-    <p:sldId id="318" r:id="rId46"/>
-    <p:sldId id="270" r:id="rId47"/>
-    <p:sldId id="317" r:id="rId48"/>
-    <p:sldId id="307" r:id="rId49"/>
-    <p:sldId id="273" r:id="rId50"/>
-    <p:sldId id="299" r:id="rId51"/>
-    <p:sldId id="300" r:id="rId52"/>
-    <p:sldId id="301" r:id="rId53"/>
-    <p:sldId id="272" r:id="rId54"/>
-    <p:sldId id="303" r:id="rId55"/>
-    <p:sldId id="304" r:id="rId56"/>
-    <p:sldId id="277" r:id="rId57"/>
-    <p:sldId id="276" r:id="rId58"/>
+    <p:sldId id="290" r:id="rId20"/>
+    <p:sldId id="292" r:id="rId21"/>
+    <p:sldId id="294" r:id="rId22"/>
+    <p:sldId id="266" r:id="rId23"/>
+    <p:sldId id="293" r:id="rId24"/>
+    <p:sldId id="297" r:id="rId25"/>
+    <p:sldId id="265" r:id="rId26"/>
+    <p:sldId id="291" r:id="rId27"/>
+    <p:sldId id="296" r:id="rId28"/>
+    <p:sldId id="267" r:id="rId29"/>
+    <p:sldId id="295" r:id="rId30"/>
+    <p:sldId id="298" r:id="rId31"/>
+    <p:sldId id="268" r:id="rId32"/>
+    <p:sldId id="305" r:id="rId33"/>
+    <p:sldId id="306" r:id="rId34"/>
+    <p:sldId id="316" r:id="rId35"/>
+    <p:sldId id="315" r:id="rId36"/>
+    <p:sldId id="269" r:id="rId37"/>
+    <p:sldId id="302" r:id="rId38"/>
+    <p:sldId id="309" r:id="rId39"/>
+    <p:sldId id="312" r:id="rId40"/>
+    <p:sldId id="310" r:id="rId41"/>
+    <p:sldId id="313" r:id="rId42"/>
+    <p:sldId id="311" r:id="rId43"/>
+    <p:sldId id="314" r:id="rId44"/>
+    <p:sldId id="318" r:id="rId45"/>
+    <p:sldId id="270" r:id="rId46"/>
+    <p:sldId id="320" r:id="rId47"/>
+    <p:sldId id="321" r:id="rId48"/>
+    <p:sldId id="322" r:id="rId49"/>
+    <p:sldId id="323" r:id="rId50"/>
+    <p:sldId id="324" r:id="rId51"/>
+    <p:sldId id="317" r:id="rId52"/>
+    <p:sldId id="307" r:id="rId53"/>
+    <p:sldId id="273" r:id="rId54"/>
+    <p:sldId id="299" r:id="rId55"/>
+    <p:sldId id="300" r:id="rId56"/>
+    <p:sldId id="301" r:id="rId57"/>
+    <p:sldId id="272" r:id="rId58"/>
+    <p:sldId id="303" r:id="rId59"/>
+    <p:sldId id="304" r:id="rId60"/>
+    <p:sldId id="277" r:id="rId61"/>
+    <p:sldId id="276" r:id="rId62"/>
   </p:sldIdLst>
   <p:sldSz cx="12192000" cy="6858000"/>
   <p:notesSz cx="6858000" cy="9144000"/>
@@ -183,7 +187,6 @@
             <p14:sldId id="263"/>
             <p14:sldId id="319"/>
             <p14:sldId id="264"/>
-            <p14:sldId id="289"/>
             <p14:sldId id="290"/>
             <p14:sldId id="292"/>
             <p14:sldId id="294"/>
@@ -211,6 +214,11 @@
             <p14:sldId id="314"/>
             <p14:sldId id="318"/>
             <p14:sldId id="270"/>
+            <p14:sldId id="320"/>
+            <p14:sldId id="321"/>
+            <p14:sldId id="322"/>
+            <p14:sldId id="323"/>
+            <p14:sldId id="324"/>
             <p14:sldId id="317"/>
             <p14:sldId id="307"/>
             <p14:sldId id="273"/>
@@ -3146,14 +3154,6 @@
             </a:r>
           </a:p>
           <a:p>
-            <a:pPr algn="r"/>
-            <a:r>
-              <a:rPr lang="en-US" sz="1600" dirty="0"/>
-              <a:t>Senior Web Developer</a:t>
-            </a:r>
-            <a:endParaRPr lang="ru-RU" sz="1600" dirty="0"/>
-          </a:p>
-          <a:p>
             <a:endParaRPr lang="ru-RU" sz="1600" dirty="0"/>
           </a:p>
         </p:txBody>
@@ -5126,6 +5126,36 @@
               <a:t>performance optimizations instability</a:t>
             </a:r>
             <a:endParaRPr lang="ru-RU" dirty="0"/>
+          </a:p>
+        </p:txBody>
+      </p:sp>
+      <p:sp>
+        <p:nvSpPr>
+          <p:cNvPr id="9" name="TextBox 8"/>
+          <p:cNvSpPr txBox="1"/>
+          <p:nvPr/>
+        </p:nvSpPr>
+        <p:spPr>
+          <a:xfrm>
+            <a:off x="4597953" y="5984687"/>
+            <a:ext cx="629403" cy="369332"/>
+          </a:xfrm>
+          <a:prstGeom prst="rect">
+            <a:avLst/>
+          </a:prstGeom>
+          <a:noFill/>
+        </p:spPr>
+        <p:txBody>
+          <a:bodyPr wrap="none" rtlCol="0">
+            <a:spAutoFit/>
+          </a:bodyPr>
+          <a:lstStyle/>
+          <a:p>
+            <a:r>
+              <a:rPr lang="en-US" dirty="0" smtClean="0"/>
+              <a:t>Flow</a:t>
+            </a:r>
+            <a:endParaRPr lang="en-US" dirty="0"/>
           </a:p>
         </p:txBody>
       </p:sp>
@@ -5968,16 +5998,48 @@
           <a:lstStyle/>
           <a:p>
             <a:r>
-              <a:rPr lang="en-US" sz="1800" dirty="0" smtClean="0"/>
-              <a:t>repo</a:t>
-            </a:r>
-            <a:r>
-              <a:rPr lang="en-US" sz="1800" dirty="0"/>
-              <a:t>: </a:t>
-            </a:r>
-            <a:r>
-              <a:rPr lang="en-US" sz="1800" dirty="0" smtClean="0"/>
-              <a:t>0_orig_algorithm</a:t>
+              <a:rPr lang="ru-RU" dirty="0" smtClean="0"/>
+              <a:t>Нормальная математика</a:t>
+            </a:r>
+          </a:p>
+          <a:p>
+            <a:r>
+              <a:rPr lang="ru-RU" dirty="0" smtClean="0"/>
+              <a:t>Достаточно простая задача</a:t>
+            </a:r>
+          </a:p>
+          <a:p>
+            <a:r>
+              <a:rPr lang="ru-RU" dirty="0" smtClean="0"/>
+              <a:t>Не имеет аналитического решения для </a:t>
+            </a:r>
+            <a:r>
+              <a:rPr lang="en-US" dirty="0" smtClean="0"/>
+              <a:t>n &gt; 2*</a:t>
+            </a:r>
+            <a:endParaRPr lang="ru-RU" dirty="0" smtClean="0"/>
+          </a:p>
+          <a:p>
+            <a:r>
+              <a:rPr lang="ru-RU" dirty="0" smtClean="0"/>
+              <a:t>Требует синхронизации данных каждую итерацию</a:t>
+            </a:r>
+          </a:p>
+          <a:p>
+            <a:r>
+              <a:rPr lang="ru-RU" dirty="0" smtClean="0"/>
+              <a:t>Хорошо </a:t>
+            </a:r>
+            <a:r>
+              <a:rPr lang="ru-RU" dirty="0" err="1" smtClean="0"/>
+              <a:t>параллелится</a:t>
+            </a:r>
+            <a:endParaRPr lang="ru-RU" dirty="0" smtClean="0"/>
+          </a:p>
+          <a:p>
+            <a:r>
+              <a:rPr lang="ru-RU" dirty="0" smtClean="0"/>
+              <a:t>Красивый результат!</a:t>
             </a:r>
           </a:p>
           <a:p>
@@ -5988,7 +6050,7 @@
     </p:spTree>
     <p:extLst>
       <p:ext uri="{BB962C8B-B14F-4D97-AF65-F5344CB8AC3E}">
-        <p14:creationId xmlns:p14="http://schemas.microsoft.com/office/powerpoint/2010/main" val="2203815745"/>
+        <p14:creationId xmlns:p14="http://schemas.microsoft.com/office/powerpoint/2010/main" val="11168979"/>
       </p:ext>
     </p:extLst>
   </p:cSld>
@@ -6100,11 +6162,7 @@
           <a:p>
             <a:r>
               <a:rPr lang="ru-RU" dirty="0" smtClean="0"/>
-              <a:t>Горячее сырым не </a:t>
-            </a:r>
-            <a:r>
-              <a:rPr lang="ru-RU" dirty="0" smtClean="0"/>
-              <a:t>бывает</a:t>
+              <a:t>Горячее сырым не бывает</a:t>
             </a:r>
             <a:endParaRPr lang="en-US" dirty="0" smtClean="0"/>
           </a:p>
@@ -6113,7 +6171,6 @@
               <a:rPr lang="ru-RU" dirty="0" smtClean="0"/>
               <a:t>Вам это не нужно</a:t>
             </a:r>
-            <a:endParaRPr lang="ru-RU" dirty="0" smtClean="0"/>
           </a:p>
           <a:p>
             <a:endParaRPr lang="ru-RU" dirty="0"/>
@@ -6173,124 +6230,6 @@
           <a:lstStyle/>
           <a:p>
             <a:r>
-              <a:rPr lang="en-US" dirty="0" smtClean="0"/>
-              <a:t>Gravity math model</a:t>
-            </a:r>
-            <a:endParaRPr lang="ru-RU" dirty="0"/>
-          </a:p>
-        </p:txBody>
-      </p:sp>
-      <p:sp>
-        <p:nvSpPr>
-          <p:cNvPr id="6" name="Объект 5"/>
-          <p:cNvSpPr>
-            <a:spLocks noGrp="1"/>
-          </p:cNvSpPr>
-          <p:nvPr>
-            <p:ph idx="1"/>
-          </p:nvPr>
-        </p:nvSpPr>
-        <p:spPr/>
-        <p:txBody>
-          <a:bodyPr/>
-          <a:lstStyle/>
-          <a:p>
-            <a:r>
-              <a:rPr lang="ru-RU" dirty="0" smtClean="0"/>
-              <a:t>Нормальная математика</a:t>
-            </a:r>
-          </a:p>
-          <a:p>
-            <a:r>
-              <a:rPr lang="ru-RU" dirty="0" smtClean="0"/>
-              <a:t>Достаточно простая задача</a:t>
-            </a:r>
-          </a:p>
-          <a:p>
-            <a:r>
-              <a:rPr lang="ru-RU" dirty="0" smtClean="0"/>
-              <a:t>Не имеет аналитического решения для </a:t>
-            </a:r>
-            <a:r>
-              <a:rPr lang="en-US" dirty="0" smtClean="0"/>
-              <a:t>n &gt; 2*</a:t>
-            </a:r>
-            <a:endParaRPr lang="ru-RU" dirty="0" smtClean="0"/>
-          </a:p>
-          <a:p>
-            <a:r>
-              <a:rPr lang="ru-RU" dirty="0" smtClean="0"/>
-              <a:t>Требует синхронизации данных каждую итерацию</a:t>
-            </a:r>
-          </a:p>
-          <a:p>
-            <a:r>
-              <a:rPr lang="ru-RU" dirty="0" smtClean="0"/>
-              <a:t>Хорошо </a:t>
-            </a:r>
-            <a:r>
-              <a:rPr lang="ru-RU" dirty="0" err="1" smtClean="0"/>
-              <a:t>параллелится</a:t>
-            </a:r>
-            <a:endParaRPr lang="ru-RU" dirty="0" smtClean="0"/>
-          </a:p>
-          <a:p>
-            <a:r>
-              <a:rPr lang="ru-RU" dirty="0" smtClean="0"/>
-              <a:t>Красивый результат!</a:t>
-            </a:r>
-          </a:p>
-          <a:p>
-            <a:endParaRPr lang="ru-RU" dirty="0"/>
-          </a:p>
-        </p:txBody>
-      </p:sp>
-    </p:spTree>
-    <p:extLst>
-      <p:ext uri="{BB962C8B-B14F-4D97-AF65-F5344CB8AC3E}">
-        <p14:creationId xmlns:p14="http://schemas.microsoft.com/office/powerpoint/2010/main" val="11168979"/>
-      </p:ext>
-    </p:extLst>
-  </p:cSld>
-  <p:clrMapOvr>
-    <a:masterClrMapping/>
-  </p:clrMapOvr>
-</p:sld>
-</file>
-
-<file path=ppt/slides/slide21.xml><?xml version="1.0" encoding="utf-8"?>
-<p:sld xmlns:a="http://schemas.openxmlformats.org/drawingml/2006/main" xmlns:r="http://schemas.openxmlformats.org/officeDocument/2006/relationships" xmlns:p="http://schemas.openxmlformats.org/presentationml/2006/main">
-  <p:cSld>
-    <p:spTree>
-      <p:nvGrpSpPr>
-        <p:cNvPr id="1" name=""/>
-        <p:cNvGrpSpPr/>
-        <p:nvPr/>
-      </p:nvGrpSpPr>
-      <p:grpSpPr>
-        <a:xfrm>
-          <a:off x="0" y="0"/>
-          <a:ext cx="0" cy="0"/>
-          <a:chOff x="0" y="0"/>
-          <a:chExt cx="0" cy="0"/>
-        </a:xfrm>
-      </p:grpSpPr>
-      <p:sp>
-        <p:nvSpPr>
-          <p:cNvPr id="2" name="Заголовок 1"/>
-          <p:cNvSpPr>
-            <a:spLocks noGrp="1"/>
-          </p:cNvSpPr>
-          <p:nvPr>
-            <p:ph type="title"/>
-          </p:nvPr>
-        </p:nvSpPr>
-        <p:spPr/>
-        <p:txBody>
-          <a:bodyPr/>
-          <a:lstStyle/>
-          <a:p>
-            <a:r>
               <a:rPr lang="en-US" dirty="0"/>
               <a:t>Gravity math model</a:t>
             </a:r>
@@ -6369,6 +6308,332 @@
 </p:sld>
 </file>
 
+<file path=ppt/slides/slide21.xml><?xml version="1.0" encoding="utf-8"?>
+<p:sld xmlns:a="http://schemas.openxmlformats.org/drawingml/2006/main" xmlns:r="http://schemas.openxmlformats.org/officeDocument/2006/relationships" xmlns:p="http://schemas.openxmlformats.org/presentationml/2006/main">
+  <p:cSld>
+    <p:spTree>
+      <p:nvGrpSpPr>
+        <p:cNvPr id="1" name=""/>
+        <p:cNvGrpSpPr/>
+        <p:nvPr/>
+      </p:nvGrpSpPr>
+      <p:grpSpPr>
+        <a:xfrm>
+          <a:off x="0" y="0"/>
+          <a:ext cx="0" cy="0"/>
+          <a:chOff x="0" y="0"/>
+          <a:chExt cx="0" cy="0"/>
+        </a:xfrm>
+      </p:grpSpPr>
+      <p:sp>
+        <p:nvSpPr>
+          <p:cNvPr id="4" name="Заголовок 3"/>
+          <p:cNvSpPr>
+            <a:spLocks noGrp="1"/>
+          </p:cNvSpPr>
+          <p:nvPr>
+            <p:ph type="title"/>
+          </p:nvPr>
+        </p:nvSpPr>
+        <p:spPr/>
+        <p:txBody>
+          <a:bodyPr/>
+          <a:lstStyle/>
+          <a:p>
+            <a:r>
+              <a:rPr lang="en-US" dirty="0" smtClean="0"/>
+              <a:t>let optimization in v8 vs edge</a:t>
+            </a:r>
+            <a:endParaRPr lang="ru-RU" dirty="0"/>
+          </a:p>
+        </p:txBody>
+      </p:sp>
+      <p:sp>
+        <p:nvSpPr>
+          <p:cNvPr id="5" name="Объект 4"/>
+          <p:cNvSpPr>
+            <a:spLocks noGrp="1"/>
+          </p:cNvSpPr>
+          <p:nvPr>
+            <p:ph sz="half" idx="1"/>
+          </p:nvPr>
+        </p:nvSpPr>
+        <p:spPr/>
+        <p:txBody>
+          <a:bodyPr>
+            <a:normAutofit/>
+          </a:bodyPr>
+          <a:lstStyle/>
+          <a:p>
+            <a:pPr marL="0" indent="0">
+              <a:buNone/>
+            </a:pPr>
+            <a:r>
+              <a:rPr lang="en-US" sz="1600" dirty="0" smtClean="0"/>
+              <a:t> PS</a:t>
+            </a:r>
+            <a:r>
+              <a:rPr lang="en-US" sz="1600" dirty="0"/>
+              <a:t>&gt; </a:t>
+            </a:r>
+            <a:r>
+              <a:rPr lang="en-US" sz="1600" dirty="0" err="1"/>
+              <a:t>nvm</a:t>
+            </a:r>
+            <a:r>
+              <a:rPr lang="en-US" sz="1600" dirty="0"/>
+              <a:t> use 8.4.0</a:t>
+            </a:r>
+          </a:p>
+          <a:p>
+            <a:pPr marL="0" indent="0">
+              <a:buNone/>
+            </a:pPr>
+            <a:r>
+              <a:rPr lang="en-US" sz="1600" dirty="0"/>
+              <a:t> Now using node v8.4.0 (64-bit)</a:t>
+            </a:r>
+          </a:p>
+          <a:p>
+            <a:pPr marL="0" indent="0">
+              <a:buNone/>
+            </a:pPr>
+            <a:endParaRPr lang="en-US" sz="1600" dirty="0"/>
+          </a:p>
+          <a:p>
+            <a:pPr marL="0" indent="0">
+              <a:buNone/>
+            </a:pPr>
+            <a:r>
+              <a:rPr lang="en-US" sz="1600" dirty="0"/>
+              <a:t> PS&gt; node -e 'console.log(process.versions.v8);'</a:t>
+            </a:r>
+          </a:p>
+          <a:p>
+            <a:pPr marL="0" indent="0">
+              <a:buNone/>
+            </a:pPr>
+            <a:r>
+              <a:rPr lang="en-US" sz="1600" dirty="0"/>
+              <a:t> 6.0.286.52</a:t>
+            </a:r>
+          </a:p>
+          <a:p>
+            <a:pPr marL="0" indent="0">
+              <a:buNone/>
+            </a:pPr>
+            <a:endParaRPr lang="en-US" sz="1600" dirty="0"/>
+          </a:p>
+          <a:p>
+            <a:pPr marL="0" indent="0">
+              <a:buNone/>
+            </a:pPr>
+            <a:r>
+              <a:rPr lang="en-US" sz="1600" dirty="0"/>
+              <a:t> PS&gt; node .\try1.js</a:t>
+            </a:r>
+          </a:p>
+          <a:p>
+            <a:pPr marL="0" indent="0">
+              <a:buNone/>
+            </a:pPr>
+            <a:r>
+              <a:rPr lang="en-US" sz="1600" dirty="0"/>
+              <a:t> </a:t>
+            </a:r>
+            <a:r>
+              <a:rPr lang="en-US" sz="1600" dirty="0" err="1"/>
+              <a:t>computeStep</a:t>
+            </a:r>
+            <a:r>
+              <a:rPr lang="en-US" sz="1600" dirty="0"/>
+              <a:t> 2 x 0.69 ops/sec ±0.62% (6 runs sampled)</a:t>
+            </a:r>
+          </a:p>
+          <a:p>
+            <a:pPr marL="0" indent="0">
+              <a:buNone/>
+            </a:pPr>
+            <a:r>
+              <a:rPr lang="en-US" sz="1600" dirty="0"/>
+              <a:t> Fastest is </a:t>
+            </a:r>
+            <a:r>
+              <a:rPr lang="en-US" sz="1600" dirty="0" err="1"/>
+              <a:t>computeStep</a:t>
+            </a:r>
+            <a:r>
+              <a:rPr lang="en-US" sz="1600" dirty="0"/>
+              <a:t> 2</a:t>
+            </a:r>
+            <a:endParaRPr lang="ru-RU" sz="1600" dirty="0"/>
+          </a:p>
+        </p:txBody>
+      </p:sp>
+      <p:sp>
+        <p:nvSpPr>
+          <p:cNvPr id="6" name="Объект 5"/>
+          <p:cNvSpPr>
+            <a:spLocks noGrp="1"/>
+          </p:cNvSpPr>
+          <p:nvPr>
+            <p:ph sz="half" idx="2"/>
+          </p:nvPr>
+        </p:nvSpPr>
+        <p:spPr/>
+        <p:txBody>
+          <a:bodyPr>
+            <a:normAutofit/>
+          </a:bodyPr>
+          <a:lstStyle/>
+          <a:p>
+            <a:pPr marL="0" indent="0">
+              <a:buNone/>
+            </a:pPr>
+            <a:r>
+              <a:rPr lang="en-US" sz="1500" dirty="0"/>
+              <a:t>PS&gt; </a:t>
+            </a:r>
+            <a:r>
+              <a:rPr lang="en-US" sz="1500" dirty="0" err="1"/>
+              <a:t>nvm</a:t>
+            </a:r>
+            <a:r>
+              <a:rPr lang="en-US" sz="1500" dirty="0"/>
+              <a:t> use 8.1.4</a:t>
+            </a:r>
+          </a:p>
+          <a:p>
+            <a:pPr marL="0" indent="0">
+              <a:buNone/>
+            </a:pPr>
+            <a:r>
+              <a:rPr lang="en-US" sz="1500" dirty="0"/>
+              <a:t> Now using node v8.1.4 (64-bit)</a:t>
+            </a:r>
+          </a:p>
+          <a:p>
+            <a:pPr marL="0" indent="0">
+              <a:buNone/>
+            </a:pPr>
+            <a:endParaRPr lang="en-US" sz="1500" dirty="0"/>
+          </a:p>
+          <a:p>
+            <a:pPr marL="0" indent="0">
+              <a:buNone/>
+            </a:pPr>
+            <a:r>
+              <a:rPr lang="en-US" sz="1500" dirty="0"/>
+              <a:t> PS&gt; node -e 'console.log(process.versions.v8);'</a:t>
+            </a:r>
+          </a:p>
+          <a:p>
+            <a:pPr marL="0" indent="0">
+              <a:buNone/>
+            </a:pPr>
+            <a:r>
+              <a:rPr lang="en-US" sz="1500" dirty="0"/>
+              <a:t> 5.8.283.41</a:t>
+            </a:r>
+          </a:p>
+          <a:p>
+            <a:pPr marL="0" indent="0">
+              <a:buNone/>
+            </a:pPr>
+            <a:endParaRPr lang="en-US" sz="1500" dirty="0"/>
+          </a:p>
+          <a:p>
+            <a:pPr marL="0" indent="0">
+              <a:buNone/>
+            </a:pPr>
+            <a:r>
+              <a:rPr lang="en-US" sz="1500" dirty="0"/>
+              <a:t> PS&gt; node .\try1.js</a:t>
+            </a:r>
+          </a:p>
+          <a:p>
+            <a:pPr marL="0" indent="0">
+              <a:buNone/>
+            </a:pPr>
+            <a:r>
+              <a:rPr lang="en-US" sz="1500" dirty="0"/>
+              <a:t> </a:t>
+            </a:r>
+            <a:r>
+              <a:rPr lang="en-US" sz="1500" dirty="0" err="1"/>
+              <a:t>computeStep</a:t>
+            </a:r>
+            <a:r>
+              <a:rPr lang="en-US" sz="1500" dirty="0"/>
+              <a:t> 2 x 0.18 ops/sec ±0.90% (5 runs sampled)</a:t>
+            </a:r>
+          </a:p>
+          <a:p>
+            <a:pPr marL="0" indent="0">
+              <a:buNone/>
+            </a:pPr>
+            <a:r>
+              <a:rPr lang="en-US" sz="1500" dirty="0"/>
+              <a:t> Fastest is </a:t>
+            </a:r>
+            <a:r>
+              <a:rPr lang="en-US" sz="1500" dirty="0" err="1"/>
+              <a:t>computeStep</a:t>
+            </a:r>
+            <a:r>
+              <a:rPr lang="en-US" sz="1500" dirty="0"/>
+              <a:t> 2</a:t>
+            </a:r>
+            <a:endParaRPr lang="ru-RU" sz="1500" dirty="0"/>
+          </a:p>
+        </p:txBody>
+      </p:sp>
+      <p:sp>
+        <p:nvSpPr>
+          <p:cNvPr id="8" name="Прямоугольник 7"/>
+          <p:cNvSpPr/>
+          <p:nvPr/>
+        </p:nvSpPr>
+        <p:spPr>
+          <a:xfrm>
+            <a:off x="8608905" y="6311900"/>
+            <a:ext cx="2397644" cy="307777"/>
+          </a:xfrm>
+          <a:prstGeom prst="rect">
+            <a:avLst/>
+          </a:prstGeom>
+        </p:spPr>
+        <p:txBody>
+          <a:bodyPr wrap="none">
+            <a:spAutoFit/>
+          </a:bodyPr>
+          <a:lstStyle/>
+          <a:p>
+            <a:r>
+              <a:rPr lang="en-US" sz="1400" dirty="0" smtClean="0"/>
+              <a:t>repo: </a:t>
+            </a:r>
+            <a:r>
+              <a:rPr lang="ru-RU" sz="1400" dirty="0" smtClean="0"/>
+              <a:t>20_nodejs_benchmarkjs</a:t>
+            </a:r>
+            <a:endParaRPr lang="ru-RU" sz="1400" dirty="0"/>
+          </a:p>
+        </p:txBody>
+      </p:sp>
+    </p:spTree>
+    <p:extLst>
+      <p:ext uri="{BB962C8B-B14F-4D97-AF65-F5344CB8AC3E}">
+        <p14:creationId xmlns:p14="http://schemas.microsoft.com/office/powerpoint/2010/main" val="3382605315"/>
+      </p:ext>
+    </p:extLst>
+  </p:cSld>
+  <p:clrMapOvr>
+    <a:masterClrMapping/>
+  </p:clrMapOvr>
+</p:sld>
+</file>
+
 <file path=ppt/slides/slide22.xml><?xml version="1.0" encoding="utf-8"?>
 <p:sld xmlns:a="http://schemas.openxmlformats.org/drawingml/2006/main" xmlns:r="http://schemas.openxmlformats.org/officeDocument/2006/relationships" xmlns:p="http://schemas.openxmlformats.org/presentationml/2006/main">
   <p:cSld>
@@ -6388,7 +6653,7 @@
       </p:grpSpPr>
       <p:sp>
         <p:nvSpPr>
-          <p:cNvPr id="4" name="Заголовок 3"/>
+          <p:cNvPr id="2" name="Заголовок 1"/>
           <p:cNvSpPr>
             <a:spLocks noGrp="1"/>
           </p:cNvSpPr>
@@ -6402,8 +6667,8 @@
           <a:lstStyle/>
           <a:p>
             <a:r>
-              <a:rPr lang="en-US" dirty="0" smtClean="0"/>
-              <a:t>let optimization in v8 vs edge</a:t>
+              <a:rPr lang="ru-RU" dirty="0" smtClean="0"/>
+              <a:t>Что делать если не помогло?</a:t>
             </a:r>
             <a:endParaRPr lang="ru-RU" dirty="0"/>
           </a:p>
@@ -6411,281 +6676,56 @@
       </p:sp>
       <p:sp>
         <p:nvSpPr>
-          <p:cNvPr id="5" name="Объект 4"/>
-          <p:cNvSpPr>
-            <a:spLocks noGrp="1"/>
-          </p:cNvSpPr>
-          <p:nvPr>
-            <p:ph sz="half" idx="1"/>
+          <p:cNvPr id="3" name="Объект 2"/>
+          <p:cNvSpPr>
+            <a:spLocks noGrp="1"/>
+          </p:cNvSpPr>
+          <p:nvPr>
+            <p:ph idx="1"/>
           </p:nvPr>
         </p:nvSpPr>
         <p:spPr/>
         <p:txBody>
-          <a:bodyPr>
-            <a:normAutofit/>
-          </a:bodyPr>
-          <a:lstStyle/>
-          <a:p>
-            <a:pPr marL="0" indent="0">
-              <a:buNone/>
-            </a:pPr>
-            <a:r>
-              <a:rPr lang="en-US" sz="1600" dirty="0" smtClean="0"/>
-              <a:t> PS</a:t>
-            </a:r>
-            <a:r>
-              <a:rPr lang="en-US" sz="1600" dirty="0"/>
-              <a:t>&gt; </a:t>
-            </a:r>
-            <a:r>
-              <a:rPr lang="en-US" sz="1600" dirty="0" err="1"/>
-              <a:t>nvm</a:t>
-            </a:r>
-            <a:r>
-              <a:rPr lang="en-US" sz="1600" dirty="0"/>
-              <a:t> use 8.4.0</a:t>
-            </a:r>
-          </a:p>
-          <a:p>
-            <a:pPr marL="0" indent="0">
-              <a:buNone/>
-            </a:pPr>
-            <a:r>
-              <a:rPr lang="en-US" sz="1600" dirty="0"/>
-              <a:t> Now using node v8.4.0 (64-bit)</a:t>
-            </a:r>
-          </a:p>
-          <a:p>
-            <a:pPr marL="0" indent="0">
-              <a:buNone/>
-            </a:pPr>
-            <a:endParaRPr lang="en-US" sz="1600" dirty="0"/>
-          </a:p>
-          <a:p>
-            <a:pPr marL="0" indent="0">
-              <a:buNone/>
-            </a:pPr>
-            <a:r>
-              <a:rPr lang="en-US" sz="1600" dirty="0"/>
-              <a:t> PS&gt; node -e 'console.log(process.versions.v8);'</a:t>
-            </a:r>
-          </a:p>
-          <a:p>
-            <a:pPr marL="0" indent="0">
-              <a:buNone/>
-            </a:pPr>
-            <a:r>
-              <a:rPr lang="en-US" sz="1600" dirty="0"/>
-              <a:t> 6.0.286.52</a:t>
-            </a:r>
-          </a:p>
-          <a:p>
-            <a:pPr marL="0" indent="0">
-              <a:buNone/>
-            </a:pPr>
-            <a:endParaRPr lang="en-US" sz="1600" dirty="0"/>
-          </a:p>
-          <a:p>
-            <a:pPr marL="0" indent="0">
-              <a:buNone/>
-            </a:pPr>
-            <a:r>
-              <a:rPr lang="en-US" sz="1600" dirty="0"/>
-              <a:t> PS&gt; node .\try1.js</a:t>
-            </a:r>
-          </a:p>
-          <a:p>
-            <a:pPr marL="0" indent="0">
-              <a:buNone/>
-            </a:pPr>
-            <a:r>
-              <a:rPr lang="en-US" sz="1600" dirty="0"/>
-              <a:t> </a:t>
-            </a:r>
-            <a:r>
-              <a:rPr lang="en-US" sz="1600" dirty="0" err="1"/>
-              <a:t>computeStep</a:t>
-            </a:r>
-            <a:r>
-              <a:rPr lang="en-US" sz="1600" dirty="0"/>
-              <a:t> 2 x 0.69 ops/sec ±0.62% (6 runs sampled)</a:t>
-            </a:r>
-          </a:p>
-          <a:p>
-            <a:pPr marL="0" indent="0">
-              <a:buNone/>
-            </a:pPr>
-            <a:r>
-              <a:rPr lang="en-US" sz="1600" dirty="0"/>
-              <a:t> Fastest is </a:t>
-            </a:r>
-            <a:r>
-              <a:rPr lang="en-US" sz="1600" dirty="0" err="1"/>
-              <a:t>computeStep</a:t>
-            </a:r>
-            <a:r>
-              <a:rPr lang="en-US" sz="1600" dirty="0"/>
-              <a:t> 2</a:t>
-            </a:r>
-            <a:endParaRPr lang="ru-RU" sz="1600" dirty="0"/>
-          </a:p>
-        </p:txBody>
-      </p:sp>
-      <p:sp>
-        <p:nvSpPr>
-          <p:cNvPr id="6" name="Объект 5"/>
-          <p:cNvSpPr>
-            <a:spLocks noGrp="1"/>
-          </p:cNvSpPr>
-          <p:nvPr>
-            <p:ph sz="half" idx="2"/>
-          </p:nvPr>
-        </p:nvSpPr>
-        <p:spPr/>
-        <p:txBody>
-          <a:bodyPr>
-            <a:normAutofit/>
-          </a:bodyPr>
-          <a:lstStyle/>
-          <a:p>
-            <a:pPr marL="0" indent="0">
-              <a:buNone/>
-            </a:pPr>
-            <a:r>
-              <a:rPr lang="en-US" sz="1500" dirty="0"/>
-              <a:t>PS&gt; </a:t>
-            </a:r>
-            <a:r>
-              <a:rPr lang="en-US" sz="1500" dirty="0" err="1"/>
-              <a:t>nvm</a:t>
-            </a:r>
-            <a:r>
-              <a:rPr lang="en-US" sz="1500" dirty="0"/>
-              <a:t> use 8.1.4</a:t>
-            </a:r>
-          </a:p>
-          <a:p>
-            <a:pPr marL="0" indent="0">
-              <a:buNone/>
-            </a:pPr>
-            <a:r>
-              <a:rPr lang="en-US" sz="1500" dirty="0"/>
-              <a:t> Now using node v8.1.4 (64-bit)</a:t>
-            </a:r>
-          </a:p>
-          <a:p>
-            <a:pPr marL="0" indent="0">
-              <a:buNone/>
-            </a:pPr>
-            <a:endParaRPr lang="en-US" sz="1500" dirty="0"/>
-          </a:p>
-          <a:p>
-            <a:pPr marL="0" indent="0">
-              <a:buNone/>
-            </a:pPr>
-            <a:r>
-              <a:rPr lang="en-US" sz="1500" dirty="0"/>
-              <a:t> PS&gt; node -e 'console.log(process.versions.v8);'</a:t>
-            </a:r>
-          </a:p>
-          <a:p>
-            <a:pPr marL="0" indent="0">
-              <a:buNone/>
-            </a:pPr>
-            <a:r>
-              <a:rPr lang="en-US" sz="1500" dirty="0"/>
-              <a:t> 5.8.283.41</a:t>
-            </a:r>
-          </a:p>
-          <a:p>
-            <a:pPr marL="0" indent="0">
-              <a:buNone/>
-            </a:pPr>
-            <a:endParaRPr lang="en-US" sz="1500" dirty="0"/>
-          </a:p>
-          <a:p>
-            <a:pPr marL="0" indent="0">
-              <a:buNone/>
-            </a:pPr>
-            <a:r>
-              <a:rPr lang="en-US" sz="1500" dirty="0"/>
-              <a:t> PS&gt; node .\try1.js</a:t>
-            </a:r>
-          </a:p>
-          <a:p>
-            <a:pPr marL="0" indent="0">
-              <a:buNone/>
-            </a:pPr>
-            <a:r>
-              <a:rPr lang="en-US" sz="1500" dirty="0"/>
-              <a:t> </a:t>
-            </a:r>
-            <a:r>
-              <a:rPr lang="en-US" sz="1500" dirty="0" err="1"/>
-              <a:t>computeStep</a:t>
-            </a:r>
-            <a:r>
-              <a:rPr lang="en-US" sz="1500" dirty="0"/>
-              <a:t> 2 x 0.18 ops/sec ±0.90% (5 runs sampled)</a:t>
-            </a:r>
-          </a:p>
-          <a:p>
-            <a:pPr marL="0" indent="0">
-              <a:buNone/>
-            </a:pPr>
-            <a:r>
-              <a:rPr lang="en-US" sz="1500" dirty="0"/>
-              <a:t> Fastest is </a:t>
-            </a:r>
-            <a:r>
-              <a:rPr lang="en-US" sz="1500" dirty="0" err="1"/>
-              <a:t>computeStep</a:t>
-            </a:r>
-            <a:r>
-              <a:rPr lang="en-US" sz="1500" dirty="0"/>
-              <a:t> 2</a:t>
-            </a:r>
-            <a:endParaRPr lang="ru-RU" sz="1500" dirty="0"/>
-          </a:p>
-        </p:txBody>
-      </p:sp>
-      <p:sp>
-        <p:nvSpPr>
-          <p:cNvPr id="8" name="Прямоугольник 7"/>
-          <p:cNvSpPr/>
-          <p:nvPr/>
-        </p:nvSpPr>
-        <p:spPr>
-          <a:xfrm>
-            <a:off x="8608905" y="6311900"/>
-            <a:ext cx="2397644" cy="307777"/>
-          </a:xfrm>
-          <a:prstGeom prst="rect">
-            <a:avLst/>
-          </a:prstGeom>
-        </p:spPr>
-        <p:txBody>
-          <a:bodyPr wrap="none">
-            <a:spAutoFit/>
-          </a:bodyPr>
-          <a:lstStyle/>
-          <a:p>
-            <a:r>
-              <a:rPr lang="en-US" sz="1400" dirty="0" smtClean="0"/>
-              <a:t>repo: </a:t>
-            </a:r>
-            <a:r>
-              <a:rPr lang="ru-RU" sz="1400" dirty="0" smtClean="0"/>
-              <a:t>20_nodejs_benchmarkjs</a:t>
-            </a:r>
-            <a:endParaRPr lang="ru-RU" sz="1400" dirty="0"/>
+          <a:bodyPr/>
+          <a:lstStyle/>
+          <a:p>
+            <a:r>
+              <a:rPr lang="en-US" sz="3200" dirty="0" smtClean="0"/>
+              <a:t>?</a:t>
+            </a:r>
+            <a:endParaRPr lang="ru-RU" sz="3200" dirty="0" smtClean="0"/>
+          </a:p>
+          <a:p>
+            <a:r>
+              <a:rPr lang="en-US" sz="3200" dirty="0" smtClean="0"/>
+              <a:t>?</a:t>
+            </a:r>
+          </a:p>
+          <a:p>
+            <a:r>
+              <a:rPr lang="en-US" sz="3200" dirty="0" smtClean="0"/>
+              <a:t>?</a:t>
+            </a:r>
+          </a:p>
+          <a:p>
+            <a:r>
+              <a:rPr lang="en-US" sz="3200" dirty="0" smtClean="0"/>
+              <a:t>?</a:t>
+            </a:r>
+            <a:endParaRPr lang="ru-RU" sz="3200" dirty="0" smtClean="0"/>
+          </a:p>
+          <a:p>
+            <a:endParaRPr lang="en-US" dirty="0" smtClean="0"/>
+          </a:p>
+          <a:p>
+            <a:endParaRPr lang="ru-RU" dirty="0"/>
           </a:p>
         </p:txBody>
       </p:sp>
     </p:spTree>
     <p:extLst>
       <p:ext uri="{BB962C8B-B14F-4D97-AF65-F5344CB8AC3E}">
-        <p14:creationId xmlns:p14="http://schemas.microsoft.com/office/powerpoint/2010/main" val="3382605315"/>
+        <p14:creationId xmlns:p14="http://schemas.microsoft.com/office/powerpoint/2010/main" val="1613292606"/>
       </p:ext>
     </p:extLst>
   </p:cSld>
@@ -6751,27 +6791,51 @@
           <a:lstStyle/>
           <a:p>
             <a:r>
+              <a:rPr lang="ru-RU" sz="3200" dirty="0" smtClean="0"/>
+              <a:t>Писать на </a:t>
+            </a:r>
+            <a:r>
               <a:rPr lang="en-US" sz="3200" dirty="0" smtClean="0"/>
-              <a:t>?</a:t>
+              <a:t>JS </a:t>
+            </a:r>
+            <a:r>
+              <a:rPr lang="ru-RU" sz="3200" dirty="0" smtClean="0"/>
+              <a:t>как на </a:t>
+            </a:r>
+            <a:r>
+              <a:rPr lang="en-US" sz="3200" dirty="0" smtClean="0"/>
+              <a:t>C++</a:t>
             </a:r>
             <a:endParaRPr lang="ru-RU" sz="3200" dirty="0" smtClean="0"/>
           </a:p>
           <a:p>
             <a:r>
+              <a:rPr lang="ru-RU" sz="3200" dirty="0" smtClean="0"/>
+              <a:t>Потоки </a:t>
+            </a:r>
+            <a:r>
               <a:rPr lang="en-US" sz="3200" dirty="0" smtClean="0"/>
-              <a:t>?</a:t>
-            </a:r>
-          </a:p>
-          <a:p>
+              <a:t>CPU</a:t>
+            </a:r>
+          </a:p>
+          <a:p>
+            <a:r>
+              <a:rPr lang="ru-RU" sz="3200" dirty="0" smtClean="0"/>
+              <a:t>Потоки </a:t>
+            </a:r>
             <a:r>
               <a:rPr lang="en-US" sz="3200" dirty="0" smtClean="0"/>
-              <a:t>?</a:t>
-            </a:r>
-          </a:p>
-          <a:p>
+              <a:t>GPU</a:t>
+            </a:r>
+          </a:p>
+          <a:p>
+            <a:r>
+              <a:rPr lang="ru-RU" sz="3200" dirty="0" smtClean="0"/>
+              <a:t>Не писать на </a:t>
+            </a:r>
             <a:r>
               <a:rPr lang="en-US" sz="3200" dirty="0" smtClean="0"/>
-              <a:t>?</a:t>
+              <a:t>JS</a:t>
             </a:r>
             <a:endParaRPr lang="ru-RU" sz="3200" dirty="0" smtClean="0"/>
           </a:p>
@@ -6786,7 +6850,7 @@
     </p:spTree>
     <p:extLst>
       <p:ext uri="{BB962C8B-B14F-4D97-AF65-F5344CB8AC3E}">
-        <p14:creationId xmlns:p14="http://schemas.microsoft.com/office/powerpoint/2010/main" val="1613292606"/>
+        <p14:creationId xmlns:p14="http://schemas.microsoft.com/office/powerpoint/2010/main" val="3465783724"/>
       </p:ext>
     </p:extLst>
   </p:cSld>
@@ -6815,131 +6879,6 @@
       </p:grpSpPr>
       <p:sp>
         <p:nvSpPr>
-          <p:cNvPr id="2" name="Заголовок 1"/>
-          <p:cNvSpPr>
-            <a:spLocks noGrp="1"/>
-          </p:cNvSpPr>
-          <p:nvPr>
-            <p:ph type="title"/>
-          </p:nvPr>
-        </p:nvSpPr>
-        <p:spPr/>
-        <p:txBody>
-          <a:bodyPr/>
-          <a:lstStyle/>
-          <a:p>
-            <a:r>
-              <a:rPr lang="ru-RU" dirty="0" smtClean="0"/>
-              <a:t>Что делать если не помогло?</a:t>
-            </a:r>
-            <a:endParaRPr lang="ru-RU" dirty="0"/>
-          </a:p>
-        </p:txBody>
-      </p:sp>
-      <p:sp>
-        <p:nvSpPr>
-          <p:cNvPr id="3" name="Объект 2"/>
-          <p:cNvSpPr>
-            <a:spLocks noGrp="1"/>
-          </p:cNvSpPr>
-          <p:nvPr>
-            <p:ph idx="1"/>
-          </p:nvPr>
-        </p:nvSpPr>
-        <p:spPr/>
-        <p:txBody>
-          <a:bodyPr/>
-          <a:lstStyle/>
-          <a:p>
-            <a:r>
-              <a:rPr lang="ru-RU" sz="3200" dirty="0" smtClean="0"/>
-              <a:t>Писать на </a:t>
-            </a:r>
-            <a:r>
-              <a:rPr lang="en-US" sz="3200" dirty="0" smtClean="0"/>
-              <a:t>JS </a:t>
-            </a:r>
-            <a:r>
-              <a:rPr lang="ru-RU" sz="3200" dirty="0" smtClean="0"/>
-              <a:t>как на </a:t>
-            </a:r>
-            <a:r>
-              <a:rPr lang="en-US" sz="3200" dirty="0" smtClean="0"/>
-              <a:t>C++</a:t>
-            </a:r>
-            <a:endParaRPr lang="ru-RU" sz="3200" dirty="0" smtClean="0"/>
-          </a:p>
-          <a:p>
-            <a:r>
-              <a:rPr lang="ru-RU" sz="3200" dirty="0" smtClean="0"/>
-              <a:t>Потоки </a:t>
-            </a:r>
-            <a:r>
-              <a:rPr lang="en-US" sz="3200" dirty="0" smtClean="0"/>
-              <a:t>CPU</a:t>
-            </a:r>
-          </a:p>
-          <a:p>
-            <a:r>
-              <a:rPr lang="ru-RU" sz="3200" dirty="0" smtClean="0"/>
-              <a:t>Потоки </a:t>
-            </a:r>
-            <a:r>
-              <a:rPr lang="en-US" sz="3200" dirty="0" smtClean="0"/>
-              <a:t>GPU</a:t>
-            </a:r>
-          </a:p>
-          <a:p>
-            <a:r>
-              <a:rPr lang="ru-RU" sz="3200" dirty="0" smtClean="0"/>
-              <a:t>Не писать на </a:t>
-            </a:r>
-            <a:r>
-              <a:rPr lang="en-US" sz="3200" dirty="0" smtClean="0"/>
-              <a:t>JS</a:t>
-            </a:r>
-            <a:endParaRPr lang="ru-RU" sz="3200" dirty="0" smtClean="0"/>
-          </a:p>
-          <a:p>
-            <a:endParaRPr lang="en-US" dirty="0" smtClean="0"/>
-          </a:p>
-          <a:p>
-            <a:endParaRPr lang="ru-RU" dirty="0"/>
-          </a:p>
-        </p:txBody>
-      </p:sp>
-    </p:spTree>
-    <p:extLst>
-      <p:ext uri="{BB962C8B-B14F-4D97-AF65-F5344CB8AC3E}">
-        <p14:creationId xmlns:p14="http://schemas.microsoft.com/office/powerpoint/2010/main" val="3465783724"/>
-      </p:ext>
-    </p:extLst>
-  </p:cSld>
-  <p:clrMapOvr>
-    <a:masterClrMapping/>
-  </p:clrMapOvr>
-</p:sld>
-</file>
-
-<file path=ppt/slides/slide25.xml><?xml version="1.0" encoding="utf-8"?>
-<p:sld xmlns:a="http://schemas.openxmlformats.org/drawingml/2006/main" xmlns:r="http://schemas.openxmlformats.org/officeDocument/2006/relationships" xmlns:p="http://schemas.openxmlformats.org/presentationml/2006/main">
-  <p:cSld>
-    <p:spTree>
-      <p:nvGrpSpPr>
-        <p:cNvPr id="1" name=""/>
-        <p:cNvGrpSpPr/>
-        <p:nvPr/>
-      </p:nvGrpSpPr>
-      <p:grpSpPr>
-        <a:xfrm>
-          <a:off x="0" y="0"/>
-          <a:ext cx="0" cy="0"/>
-          <a:chOff x="0" y="0"/>
-          <a:chExt cx="0" cy="0"/>
-        </a:xfrm>
-      </p:grpSpPr>
-      <p:sp>
-        <p:nvSpPr>
           <p:cNvPr id="4" name="Заголовок 3"/>
           <p:cNvSpPr>
             <a:spLocks noGrp="1"/>
@@ -6981,7 +6920,7 @@
 </p:sld>
 </file>
 
-<file path=ppt/slides/slide26.xml><?xml version="1.0" encoding="utf-8"?>
+<file path=ppt/slides/slide25.xml><?xml version="1.0" encoding="utf-8"?>
 <p:sld xmlns:a="http://schemas.openxmlformats.org/drawingml/2006/main" xmlns:r="http://schemas.openxmlformats.org/officeDocument/2006/relationships" xmlns:p="http://schemas.openxmlformats.org/presentationml/2006/main">
   <p:cSld>
     <p:spTree>
@@ -7152,7 +7091,7 @@
 </p:sld>
 </file>
 
-<file path=ppt/slides/slide27.xml><?xml version="1.0" encoding="utf-8"?>
+<file path=ppt/slides/slide26.xml><?xml version="1.0" encoding="utf-8"?>
 <p:sld xmlns:a="http://schemas.openxmlformats.org/drawingml/2006/main" xmlns:r="http://schemas.openxmlformats.org/officeDocument/2006/relationships" xmlns:p="http://schemas.openxmlformats.org/presentationml/2006/main">
   <p:cSld>
     <p:spTree>
@@ -7234,7 +7173,7 @@
 </p:sld>
 </file>
 
-<file path=ppt/slides/slide28.xml><?xml version="1.0" encoding="utf-8"?>
+<file path=ppt/slides/slide27.xml><?xml version="1.0" encoding="utf-8"?>
 <p:sld xmlns:a="http://schemas.openxmlformats.org/drawingml/2006/main" xmlns:r="http://schemas.openxmlformats.org/officeDocument/2006/relationships" xmlns:p="http://schemas.openxmlformats.org/presentationml/2006/main">
   <p:cSld>
     <p:spTree>
@@ -7294,7 +7233,7 @@
 </p:sld>
 </file>
 
-<file path=ppt/slides/slide29.xml><?xml version="1.0" encoding="utf-8"?>
+<file path=ppt/slides/slide28.xml><?xml version="1.0" encoding="utf-8"?>
 <p:sld xmlns:a="http://schemas.openxmlformats.org/drawingml/2006/main" xmlns:r="http://schemas.openxmlformats.org/officeDocument/2006/relationships" xmlns:p="http://schemas.openxmlformats.org/presentationml/2006/main">
   <p:cSld>
     <p:spTree>
@@ -7443,6 +7382,168 @@
 </p:sld>
 </file>
 
+<file path=ppt/slides/slide29.xml><?xml version="1.0" encoding="utf-8"?>
+<p:sld xmlns:a="http://schemas.openxmlformats.org/drawingml/2006/main" xmlns:r="http://schemas.openxmlformats.org/officeDocument/2006/relationships" xmlns:p="http://schemas.openxmlformats.org/presentationml/2006/main">
+  <p:cSld>
+    <p:spTree>
+      <p:nvGrpSpPr>
+        <p:cNvPr id="1" name=""/>
+        <p:cNvGrpSpPr/>
+        <p:nvPr/>
+      </p:nvGrpSpPr>
+      <p:grpSpPr>
+        <a:xfrm>
+          <a:off x="0" y="0"/>
+          <a:ext cx="0" cy="0"/>
+          <a:chOff x="0" y="0"/>
+          <a:chExt cx="0" cy="0"/>
+        </a:xfrm>
+      </p:grpSpPr>
+      <p:sp>
+        <p:nvSpPr>
+          <p:cNvPr id="2" name="Заголовок 1"/>
+          <p:cNvSpPr>
+            <a:spLocks noGrp="1"/>
+          </p:cNvSpPr>
+          <p:nvPr>
+            <p:ph type="title"/>
+          </p:nvPr>
+        </p:nvSpPr>
+        <p:spPr/>
+        <p:txBody>
+          <a:bodyPr/>
+          <a:lstStyle/>
+          <a:p>
+            <a:r>
+              <a:rPr lang="en-US" dirty="0" err="1" smtClean="0"/>
+              <a:t>WebWorkers</a:t>
+            </a:r>
+            <a:endParaRPr lang="ru-RU" dirty="0"/>
+          </a:p>
+        </p:txBody>
+      </p:sp>
+      <p:sp>
+        <p:nvSpPr>
+          <p:cNvPr id="3" name="Объект 2"/>
+          <p:cNvSpPr>
+            <a:spLocks noGrp="1"/>
+          </p:cNvSpPr>
+          <p:nvPr>
+            <p:ph idx="1"/>
+          </p:nvPr>
+        </p:nvSpPr>
+        <p:spPr/>
+        <p:txBody>
+          <a:bodyPr/>
+          <a:lstStyle/>
+          <a:p>
+            <a:pPr marL="0" indent="0">
+              <a:buNone/>
+            </a:pPr>
+            <a:r>
+              <a:rPr lang="ru-RU" dirty="0" smtClean="0"/>
+              <a:t>Работает!</a:t>
+            </a:r>
+          </a:p>
+          <a:p>
+            <a:pPr marL="0" indent="0">
+              <a:buNone/>
+            </a:pPr>
+            <a:endParaRPr lang="ru-RU" dirty="0"/>
+          </a:p>
+          <a:p>
+            <a:pPr marL="0" indent="0">
+              <a:buNone/>
+            </a:pPr>
+            <a:r>
+              <a:rPr lang="en-US" dirty="0" smtClean="0"/>
+              <a:t>~</a:t>
+            </a:r>
+            <a:r>
+              <a:rPr lang="ru-RU" dirty="0" smtClean="0"/>
+              <a:t> в </a:t>
+            </a:r>
+            <a:r>
+              <a:rPr lang="en-US" dirty="0" smtClean="0"/>
+              <a:t>n – 1 </a:t>
+            </a:r>
+            <a:r>
+              <a:rPr lang="ru-RU" dirty="0" smtClean="0"/>
+              <a:t>раз быстрее</a:t>
+            </a:r>
+            <a:r>
+              <a:rPr lang="en-US" dirty="0" smtClean="0"/>
+              <a:t>, </a:t>
+            </a:r>
+            <a:r>
+              <a:rPr lang="ru-RU" dirty="0" smtClean="0"/>
+              <a:t>где </a:t>
+            </a:r>
+            <a:r>
+              <a:rPr lang="en-US" dirty="0" smtClean="0"/>
+              <a:t>n – </a:t>
+            </a:r>
+            <a:r>
+              <a:rPr lang="ru-RU" dirty="0" smtClean="0"/>
+              <a:t>количество </a:t>
+            </a:r>
+            <a:r>
+              <a:rPr lang="ru-RU" dirty="0" err="1" smtClean="0"/>
+              <a:t>воркеров</a:t>
+            </a:r>
+            <a:endParaRPr lang="ru-RU" dirty="0" smtClean="0"/>
+          </a:p>
+          <a:p>
+            <a:pPr marL="0" indent="0">
+              <a:buNone/>
+            </a:pPr>
+            <a:endParaRPr lang="ru-RU" dirty="0" smtClean="0"/>
+          </a:p>
+          <a:p>
+            <a:pPr marL="0" indent="0">
+              <a:buNone/>
+            </a:pPr>
+            <a:r>
+              <a:rPr lang="en-US" dirty="0" smtClean="0"/>
+              <a:t>repo</a:t>
+            </a:r>
+            <a:r>
+              <a:rPr lang="en-US" dirty="0"/>
+              <a:t>: </a:t>
+            </a:r>
+            <a:r>
+              <a:rPr lang="en-US" dirty="0" smtClean="0"/>
+              <a:t>40_browser_math_webworkers</a:t>
+            </a:r>
+          </a:p>
+          <a:p>
+            <a:pPr marL="0" indent="0">
+              <a:buNone/>
+            </a:pPr>
+            <a:endParaRPr lang="ru-RU" dirty="0"/>
+          </a:p>
+        </p:txBody>
+      </p:sp>
+    </p:spTree>
+    <p:extLst>
+      <p:ext uri="{BB962C8B-B14F-4D97-AF65-F5344CB8AC3E}">
+        <p14:creationId xmlns:p14="http://schemas.microsoft.com/office/powerpoint/2010/main" val="3627368533"/>
+      </p:ext>
+    </p:extLst>
+  </p:cSld>
+  <p:clrMapOvr>
+    <a:masterClrMapping/>
+  </p:clrMapOvr>
+  <p:timing>
+    <p:tnLst>
+      <p:par>
+        <p:cTn id="1" dur="indefinite" restart="never" nodeType="tmRoot"/>
+      </p:par>
+    </p:tnLst>
+  </p:timing>
+</p:sld>
+</file>
+
 <file path=ppt/slides/slide3.xml><?xml version="1.0" encoding="utf-8"?>
 <p:sld xmlns:a="http://schemas.openxmlformats.org/drawingml/2006/main" xmlns:r="http://schemas.openxmlformats.org/officeDocument/2006/relationships" xmlns:p="http://schemas.openxmlformats.org/presentationml/2006/main">
   <p:cSld>
@@ -7541,168 +7642,6 @@
       </p:grpSpPr>
       <p:sp>
         <p:nvSpPr>
-          <p:cNvPr id="2" name="Заголовок 1"/>
-          <p:cNvSpPr>
-            <a:spLocks noGrp="1"/>
-          </p:cNvSpPr>
-          <p:nvPr>
-            <p:ph type="title"/>
-          </p:nvPr>
-        </p:nvSpPr>
-        <p:spPr/>
-        <p:txBody>
-          <a:bodyPr/>
-          <a:lstStyle/>
-          <a:p>
-            <a:r>
-              <a:rPr lang="en-US" dirty="0" err="1" smtClean="0"/>
-              <a:t>WebWorkers</a:t>
-            </a:r>
-            <a:endParaRPr lang="ru-RU" dirty="0"/>
-          </a:p>
-        </p:txBody>
-      </p:sp>
-      <p:sp>
-        <p:nvSpPr>
-          <p:cNvPr id="3" name="Объект 2"/>
-          <p:cNvSpPr>
-            <a:spLocks noGrp="1"/>
-          </p:cNvSpPr>
-          <p:nvPr>
-            <p:ph idx="1"/>
-          </p:nvPr>
-        </p:nvSpPr>
-        <p:spPr/>
-        <p:txBody>
-          <a:bodyPr/>
-          <a:lstStyle/>
-          <a:p>
-            <a:pPr marL="0" indent="0">
-              <a:buNone/>
-            </a:pPr>
-            <a:r>
-              <a:rPr lang="ru-RU" dirty="0" smtClean="0"/>
-              <a:t>Работает!</a:t>
-            </a:r>
-          </a:p>
-          <a:p>
-            <a:pPr marL="0" indent="0">
-              <a:buNone/>
-            </a:pPr>
-            <a:endParaRPr lang="ru-RU" dirty="0"/>
-          </a:p>
-          <a:p>
-            <a:pPr marL="0" indent="0">
-              <a:buNone/>
-            </a:pPr>
-            <a:r>
-              <a:rPr lang="en-US" dirty="0" smtClean="0"/>
-              <a:t>~</a:t>
-            </a:r>
-            <a:r>
-              <a:rPr lang="ru-RU" dirty="0" smtClean="0"/>
-              <a:t> в </a:t>
-            </a:r>
-            <a:r>
-              <a:rPr lang="en-US" dirty="0" smtClean="0"/>
-              <a:t>n – 1 </a:t>
-            </a:r>
-            <a:r>
-              <a:rPr lang="ru-RU" dirty="0" smtClean="0"/>
-              <a:t>раз быстрее</a:t>
-            </a:r>
-            <a:r>
-              <a:rPr lang="en-US" dirty="0" smtClean="0"/>
-              <a:t>, </a:t>
-            </a:r>
-            <a:r>
-              <a:rPr lang="ru-RU" dirty="0" smtClean="0"/>
-              <a:t>где </a:t>
-            </a:r>
-            <a:r>
-              <a:rPr lang="en-US" dirty="0" smtClean="0"/>
-              <a:t>n – </a:t>
-            </a:r>
-            <a:r>
-              <a:rPr lang="ru-RU" dirty="0" smtClean="0"/>
-              <a:t>количество </a:t>
-            </a:r>
-            <a:r>
-              <a:rPr lang="ru-RU" dirty="0" err="1" smtClean="0"/>
-              <a:t>воркеров</a:t>
-            </a:r>
-            <a:endParaRPr lang="ru-RU" dirty="0" smtClean="0"/>
-          </a:p>
-          <a:p>
-            <a:pPr marL="0" indent="0">
-              <a:buNone/>
-            </a:pPr>
-            <a:endParaRPr lang="ru-RU" dirty="0" smtClean="0"/>
-          </a:p>
-          <a:p>
-            <a:pPr marL="0" indent="0">
-              <a:buNone/>
-            </a:pPr>
-            <a:r>
-              <a:rPr lang="en-US" dirty="0" smtClean="0"/>
-              <a:t>repo</a:t>
-            </a:r>
-            <a:r>
-              <a:rPr lang="en-US" dirty="0"/>
-              <a:t>: </a:t>
-            </a:r>
-            <a:r>
-              <a:rPr lang="en-US" dirty="0" smtClean="0"/>
-              <a:t>40_browser_math_webworkers</a:t>
-            </a:r>
-          </a:p>
-          <a:p>
-            <a:pPr marL="0" indent="0">
-              <a:buNone/>
-            </a:pPr>
-            <a:endParaRPr lang="ru-RU" dirty="0"/>
-          </a:p>
-        </p:txBody>
-      </p:sp>
-    </p:spTree>
-    <p:extLst>
-      <p:ext uri="{BB962C8B-B14F-4D97-AF65-F5344CB8AC3E}">
-        <p14:creationId xmlns:p14="http://schemas.microsoft.com/office/powerpoint/2010/main" val="3627368533"/>
-      </p:ext>
-    </p:extLst>
-  </p:cSld>
-  <p:clrMapOvr>
-    <a:masterClrMapping/>
-  </p:clrMapOvr>
-  <p:timing>
-    <p:tnLst>
-      <p:par>
-        <p:cTn id="1" dur="indefinite" restart="never" nodeType="tmRoot"/>
-      </p:par>
-    </p:tnLst>
-  </p:timing>
-</p:sld>
-</file>
-
-<file path=ppt/slides/slide31.xml><?xml version="1.0" encoding="utf-8"?>
-<p:sld xmlns:a="http://schemas.openxmlformats.org/drawingml/2006/main" xmlns:r="http://schemas.openxmlformats.org/officeDocument/2006/relationships" xmlns:p="http://schemas.openxmlformats.org/presentationml/2006/main">
-  <p:cSld>
-    <p:spTree>
-      <p:nvGrpSpPr>
-        <p:cNvPr id="1" name=""/>
-        <p:cNvGrpSpPr/>
-        <p:nvPr/>
-      </p:nvGrpSpPr>
-      <p:grpSpPr>
-        <a:xfrm>
-          <a:off x="0" y="0"/>
-          <a:ext cx="0" cy="0"/>
-          <a:chOff x="0" y="0"/>
-          <a:chExt cx="0" cy="0"/>
-        </a:xfrm>
-      </p:grpSpPr>
-      <p:sp>
-        <p:nvSpPr>
           <p:cNvPr id="4" name="Заголовок 3"/>
           <p:cNvSpPr>
             <a:spLocks noGrp="1"/>
@@ -7804,7 +7743,7 @@
 </p:sld>
 </file>
 
-<file path=ppt/slides/slide32.xml><?xml version="1.0" encoding="utf-8"?>
+<file path=ppt/slides/slide31.xml><?xml version="1.0" encoding="utf-8"?>
 <p:sld xmlns:a="http://schemas.openxmlformats.org/drawingml/2006/main" xmlns:r="http://schemas.openxmlformats.org/officeDocument/2006/relationships" xmlns:p="http://schemas.openxmlformats.org/presentationml/2006/main">
   <p:cSld>
     <p:spTree>
@@ -7964,7 +7903,7 @@
 </p:sld>
 </file>
 
-<file path=ppt/slides/slide33.xml><?xml version="1.0" encoding="utf-8"?>
+<file path=ppt/slides/slide32.xml><?xml version="1.0" encoding="utf-8"?>
 <p:sld xmlns:a="http://schemas.openxmlformats.org/drawingml/2006/main" xmlns:r="http://schemas.openxmlformats.org/officeDocument/2006/relationships" xmlns:p="http://schemas.openxmlformats.org/presentationml/2006/main">
   <p:cSld>
     <p:spTree>
@@ -8082,7 +8021,7 @@
 </p:sld>
 </file>
 
-<file path=ppt/slides/slide34.xml><?xml version="1.0" encoding="utf-8"?>
+<file path=ppt/slides/slide33.xml><?xml version="1.0" encoding="utf-8"?>
 <p:sld xmlns:a="http://schemas.openxmlformats.org/drawingml/2006/main" xmlns:r="http://schemas.openxmlformats.org/officeDocument/2006/relationships" xmlns:p="http://schemas.openxmlformats.org/presentationml/2006/main">
   <p:cSld>
     <p:spTree>
@@ -8200,7 +8139,7 @@
 </p:sld>
 </file>
 
-<file path=ppt/slides/slide35.xml><?xml version="1.0" encoding="utf-8"?>
+<file path=ppt/slides/slide34.xml><?xml version="1.0" encoding="utf-8"?>
 <p:sld xmlns:a="http://schemas.openxmlformats.org/drawingml/2006/main" xmlns:r="http://schemas.openxmlformats.org/officeDocument/2006/relationships" xmlns:p="http://schemas.openxmlformats.org/presentationml/2006/main">
   <p:cSld>
     <p:spTree>
@@ -8289,6 +8228,66 @@
 </p:sld>
 </file>
 
+<file path=ppt/slides/slide35.xml><?xml version="1.0" encoding="utf-8"?>
+<p:sld xmlns:a="http://schemas.openxmlformats.org/drawingml/2006/main" xmlns:r="http://schemas.openxmlformats.org/officeDocument/2006/relationships" xmlns:p="http://schemas.openxmlformats.org/presentationml/2006/main">
+  <p:cSld>
+    <p:spTree>
+      <p:nvGrpSpPr>
+        <p:cNvPr id="1" name=""/>
+        <p:cNvGrpSpPr/>
+        <p:nvPr/>
+      </p:nvGrpSpPr>
+      <p:grpSpPr>
+        <a:xfrm>
+          <a:off x="0" y="0"/>
+          <a:ext cx="0" cy="0"/>
+          <a:chOff x="0" y="0"/>
+          <a:chExt cx="0" cy="0"/>
+        </a:xfrm>
+      </p:grpSpPr>
+      <p:sp>
+        <p:nvSpPr>
+          <p:cNvPr id="4" name="Заголовок 3"/>
+          <p:cNvSpPr>
+            <a:spLocks noGrp="1"/>
+          </p:cNvSpPr>
+          <p:nvPr>
+            <p:ph type="ctrTitle"/>
+          </p:nvPr>
+        </p:nvSpPr>
+        <p:spPr/>
+        <p:txBody>
+          <a:bodyPr/>
+          <a:lstStyle/>
+          <a:p>
+            <a:r>
+              <a:rPr lang="en-US" dirty="0" smtClean="0"/>
+              <a:t>Asm.js</a:t>
+            </a:r>
+            <a:endParaRPr lang="ru-RU" dirty="0"/>
+          </a:p>
+        </p:txBody>
+      </p:sp>
+    </p:spTree>
+    <p:extLst>
+      <p:ext uri="{BB962C8B-B14F-4D97-AF65-F5344CB8AC3E}">
+        <p14:creationId xmlns:p14="http://schemas.microsoft.com/office/powerpoint/2010/main" val="248870470"/>
+      </p:ext>
+    </p:extLst>
+  </p:cSld>
+  <p:clrMapOvr>
+    <a:masterClrMapping/>
+  </p:clrMapOvr>
+  <p:timing>
+    <p:tnLst>
+      <p:par>
+        <p:cTn id="1" dur="indefinite" restart="never" nodeType="tmRoot"/>
+      </p:par>
+    </p:tnLst>
+  </p:timing>
+</p:sld>
+</file>
+
 <file path=ppt/slides/slide36.xml><?xml version="1.0" encoding="utf-8"?>
 <p:sld xmlns:a="http://schemas.openxmlformats.org/drawingml/2006/main" xmlns:r="http://schemas.openxmlformats.org/officeDocument/2006/relationships" xmlns:p="http://schemas.openxmlformats.org/presentationml/2006/main">
   <p:cSld>
@@ -8308,12 +8307,12 @@
       </p:grpSpPr>
       <p:sp>
         <p:nvSpPr>
-          <p:cNvPr id="4" name="Заголовок 3"/>
-          <p:cNvSpPr>
-            <a:spLocks noGrp="1"/>
-          </p:cNvSpPr>
-          <p:nvPr>
-            <p:ph type="ctrTitle"/>
+          <p:cNvPr id="2" name="Заголовок 1"/>
+          <p:cNvSpPr>
+            <a:spLocks noGrp="1"/>
+          </p:cNvSpPr>
+          <p:nvPr>
+            <p:ph type="title"/>
           </p:nvPr>
         </p:nvSpPr>
         <p:spPr/>
@@ -8324,6 +8323,118 @@
             <a:r>
               <a:rPr lang="en-US" dirty="0" smtClean="0"/>
               <a:t>Asm.js</a:t>
+            </a:r>
+            <a:endParaRPr lang="ru-RU" dirty="0"/>
+          </a:p>
+        </p:txBody>
+      </p:sp>
+      <p:sp>
+        <p:nvSpPr>
+          <p:cNvPr id="3" name="Объект 2"/>
+          <p:cNvSpPr>
+            <a:spLocks noGrp="1"/>
+          </p:cNvSpPr>
+          <p:nvPr>
+            <p:ph idx="1"/>
+          </p:nvPr>
+        </p:nvSpPr>
+        <p:spPr/>
+        <p:txBody>
+          <a:bodyPr/>
+          <a:lstStyle/>
+          <a:p>
+            <a:pPr marL="0" indent="0">
+              <a:buNone/>
+            </a:pPr>
+            <a:r>
+              <a:rPr lang="en-US" dirty="0"/>
+              <a:t>This specification defines </a:t>
+            </a:r>
+            <a:r>
+              <a:rPr lang="en-US" b="1" dirty="0"/>
+              <a:t>asm.js</a:t>
+            </a:r>
+            <a:r>
+              <a:rPr lang="en-US" dirty="0"/>
+              <a:t>, a strict </a:t>
+            </a:r>
+            <a:r>
+              <a:rPr lang="en-US" dirty="0">
+                <a:solidFill>
+                  <a:srgbClr val="FF0000"/>
+                </a:solidFill>
+              </a:rPr>
+              <a:t>subset of JavaScript</a:t>
+            </a:r>
+            <a:r>
+              <a:rPr lang="en-US" dirty="0"/>
+              <a:t> that can be used as a </a:t>
+            </a:r>
+            <a:r>
+              <a:rPr lang="en-US" dirty="0">
+                <a:solidFill>
+                  <a:srgbClr val="FF0000"/>
+                </a:solidFill>
+              </a:rPr>
+              <a:t>low-level, efficient target language for compilers</a:t>
+            </a:r>
+            <a:r>
+              <a:rPr lang="en-US" dirty="0"/>
+              <a:t>. This sublanguage effectively describes a sandboxed virtual machine </a:t>
+            </a:r>
+            <a:r>
+              <a:rPr lang="en-US" dirty="0">
+                <a:solidFill>
+                  <a:srgbClr val="FF0000"/>
+                </a:solidFill>
+              </a:rPr>
+              <a:t>for memory-unsafe languages like C or C++</a:t>
+            </a:r>
+            <a:r>
+              <a:rPr lang="en-US" dirty="0"/>
+              <a:t>. A combination of static and dynamic validation allows JavaScript engines to employ an </a:t>
+            </a:r>
+            <a:r>
+              <a:rPr lang="en-US" dirty="0">
+                <a:solidFill>
+                  <a:srgbClr val="FF0000"/>
+                </a:solidFill>
+              </a:rPr>
+              <a:t>ahead-of-time (AOT) </a:t>
+            </a:r>
+            <a:r>
+              <a:rPr lang="en-US" dirty="0"/>
+              <a:t>optimizing compilation strategy for valid asm.js code. </a:t>
+            </a:r>
+            <a:endParaRPr lang="ru-RU" dirty="0"/>
+          </a:p>
+        </p:txBody>
+      </p:sp>
+      <p:sp>
+        <p:nvSpPr>
+          <p:cNvPr id="4" name="TextBox 3"/>
+          <p:cNvSpPr txBox="1"/>
+          <p:nvPr/>
+        </p:nvSpPr>
+        <p:spPr>
+          <a:xfrm>
+            <a:off x="8431269" y="843240"/>
+            <a:ext cx="2922531" cy="369332"/>
+          </a:xfrm>
+          <a:prstGeom prst="rect">
+            <a:avLst/>
+          </a:prstGeom>
+          <a:noFill/>
+        </p:spPr>
+        <p:txBody>
+          <a:bodyPr wrap="none" rtlCol="0">
+            <a:spAutoFit/>
+          </a:bodyPr>
+          <a:lstStyle/>
+          <a:p>
+            <a:r>
+              <a:rPr lang="en-US" dirty="0"/>
+              <a:t>http://asmjs.org/spec/latest/</a:t>
             </a:r>
             <a:endParaRPr lang="ru-RU" dirty="0"/>
           </a:p>
@@ -8332,7 +8443,7 @@
     </p:spTree>
     <p:extLst>
       <p:ext uri="{BB962C8B-B14F-4D97-AF65-F5344CB8AC3E}">
-        <p14:creationId xmlns:p14="http://schemas.microsoft.com/office/powerpoint/2010/main" val="248870470"/>
+        <p14:creationId xmlns:p14="http://schemas.microsoft.com/office/powerpoint/2010/main" val="2214080733"/>
       </p:ext>
     </p:extLst>
   </p:cSld>
@@ -8368,12 +8479,12 @@
       </p:grpSpPr>
       <p:sp>
         <p:nvSpPr>
-          <p:cNvPr id="2" name="Заголовок 1"/>
-          <p:cNvSpPr>
-            <a:spLocks noGrp="1"/>
-          </p:cNvSpPr>
-          <p:nvPr>
-            <p:ph type="title"/>
+          <p:cNvPr id="4" name="Заголовок 3"/>
+          <p:cNvSpPr>
+            <a:spLocks noGrp="1"/>
+          </p:cNvSpPr>
+          <p:nvPr>
+            <p:ph type="ctrTitle"/>
           </p:nvPr>
         </p:nvSpPr>
         <p:spPr/>
@@ -8383,7 +8494,34 @@
           <a:p>
             <a:r>
               <a:rPr lang="en-US" dirty="0" smtClean="0"/>
-              <a:t>Asm.js</a:t>
+              <a:t>let x = </a:t>
+            </a:r>
+            <a:r>
+              <a:rPr lang="en-US" dirty="0" err="1" smtClean="0"/>
+              <a:t>inputValue</a:t>
+            </a:r>
+            <a:r>
+              <a:rPr lang="en-US" dirty="0"/>
+              <a:t/>
+            </a:r>
+            <a:br>
+              <a:rPr lang="en-US" dirty="0"/>
+            </a:br>
+            <a:r>
+              <a:rPr lang="en-US" dirty="0"/>
+              <a:t>let y</a:t>
+            </a:r>
+            <a:r>
+              <a:rPr lang="en-US" dirty="0" smtClean="0"/>
+              <a:t> </a:t>
+            </a:r>
+            <a:r>
+              <a:rPr lang="en-US" dirty="0"/>
+              <a:t>= </a:t>
+            </a:r>
+            <a:r>
+              <a:rPr lang="en-US" dirty="0" err="1"/>
+              <a:t>inputValue</a:t>
             </a:r>
             <a:endParaRPr lang="ru-RU" dirty="0"/>
           </a:p>
@@ -8391,96 +8529,14 @@
       </p:sp>
       <p:sp>
         <p:nvSpPr>
-          <p:cNvPr id="3" name="Объект 2"/>
-          <p:cNvSpPr>
-            <a:spLocks noGrp="1"/>
-          </p:cNvSpPr>
-          <p:nvPr>
-            <p:ph idx="1"/>
-          </p:nvPr>
-        </p:nvSpPr>
-        <p:spPr/>
-        <p:txBody>
-          <a:bodyPr/>
-          <a:lstStyle/>
-          <a:p>
-            <a:pPr marL="0" indent="0">
-              <a:buNone/>
-            </a:pPr>
-            <a:r>
-              <a:rPr lang="en-US" dirty="0"/>
-              <a:t>This specification defines </a:t>
-            </a:r>
-            <a:r>
-              <a:rPr lang="en-US" b="1" dirty="0"/>
-              <a:t>asm.js</a:t>
-            </a:r>
-            <a:r>
-              <a:rPr lang="en-US" dirty="0"/>
-              <a:t>, a strict </a:t>
-            </a:r>
-            <a:r>
-              <a:rPr lang="en-US" dirty="0">
-                <a:solidFill>
-                  <a:srgbClr val="FF0000"/>
-                </a:solidFill>
-              </a:rPr>
-              <a:t>subset of JavaScript</a:t>
-            </a:r>
-            <a:r>
-              <a:rPr lang="en-US" dirty="0"/>
-              <a:t> that can be used as a </a:t>
-            </a:r>
-            <a:r>
-              <a:rPr lang="en-US" dirty="0">
-                <a:solidFill>
-                  <a:srgbClr val="FF0000"/>
-                </a:solidFill>
-              </a:rPr>
-              <a:t>low-level, efficient target language for compilers</a:t>
-            </a:r>
-            <a:r>
-              <a:rPr lang="en-US" dirty="0"/>
-              <a:t>. This sublanguage effectively describes a sandboxed virtual machine </a:t>
-            </a:r>
-            <a:r>
-              <a:rPr lang="en-US" dirty="0">
-                <a:solidFill>
-                  <a:srgbClr val="FF0000"/>
-                </a:solidFill>
-              </a:rPr>
-              <a:t>for memory-unsafe languages like C or C++</a:t>
-            </a:r>
-            <a:r>
-              <a:rPr lang="en-US" dirty="0"/>
-              <a:t>. A combination of static and dynamic validation allows JavaScript engines to employ an </a:t>
-            </a:r>
-            <a:r>
-              <a:rPr lang="en-US" dirty="0">
-                <a:solidFill>
-                  <a:srgbClr val="FF0000"/>
-                </a:solidFill>
-              </a:rPr>
-              <a:t>ahead-of-time (AOT) </a:t>
-            </a:r>
-            <a:r>
-              <a:rPr lang="en-US" dirty="0"/>
-              <a:t>optimizing compilation strategy for valid asm.js code. </a:t>
-            </a:r>
-            <a:endParaRPr lang="ru-RU" dirty="0"/>
-          </a:p>
-        </p:txBody>
-      </p:sp>
-      <p:sp>
-        <p:nvSpPr>
-          <p:cNvPr id="4" name="TextBox 3"/>
+          <p:cNvPr id="2" name="TextBox 1"/>
           <p:cNvSpPr txBox="1"/>
           <p:nvPr/>
         </p:nvSpPr>
         <p:spPr>
           <a:xfrm>
-            <a:off x="8431269" y="843240"/>
-            <a:ext cx="2922531" cy="369332"/>
+            <a:off x="4970585" y="4243754"/>
+            <a:ext cx="1980094" cy="1938992"/>
           </a:xfrm>
           <a:prstGeom prst="rect">
             <a:avLst/>
@@ -8494,17 +8550,38 @@
           <a:lstStyle/>
           <a:p>
             <a:r>
-              <a:rPr lang="en-US" dirty="0"/>
-              <a:t>http://asmjs.org/spec/latest/</a:t>
-            </a:r>
-            <a:endParaRPr lang="ru-RU" dirty="0"/>
+              <a:rPr lang="en-US" sz="4000" dirty="0" smtClean="0"/>
+              <a:t>x: </a:t>
+            </a:r>
+            <a:r>
+              <a:rPr lang="en-US" sz="4000" dirty="0" err="1" smtClean="0"/>
+              <a:t>int</a:t>
+            </a:r>
+            <a:r>
+              <a:rPr lang="en-US" sz="4000" dirty="0" smtClean="0"/>
+              <a:t> ?</a:t>
+            </a:r>
+          </a:p>
+          <a:p>
+            <a:r>
+              <a:rPr lang="en-US" sz="4000" dirty="0" smtClean="0"/>
+              <a:t>y: float </a:t>
+            </a:r>
+            <a:r>
+              <a:rPr lang="en-US" sz="4000" dirty="0"/>
+              <a:t>?</a:t>
+            </a:r>
+            <a:endParaRPr lang="ru-RU" sz="4000" dirty="0"/>
+          </a:p>
+          <a:p>
+            <a:endParaRPr lang="ru-RU" sz="4000" dirty="0"/>
           </a:p>
         </p:txBody>
       </p:sp>
     </p:spTree>
     <p:extLst>
       <p:ext uri="{BB962C8B-B14F-4D97-AF65-F5344CB8AC3E}">
-        <p14:creationId xmlns:p14="http://schemas.microsoft.com/office/powerpoint/2010/main" val="2214080733"/>
+        <p14:creationId xmlns:p14="http://schemas.microsoft.com/office/powerpoint/2010/main" val="4164596959"/>
       </p:ext>
     </p:extLst>
   </p:cSld>
@@ -8562,26 +8639,34 @@
               <a:t>inputValue</a:t>
             </a:r>
             <a:r>
+              <a:rPr lang="en-US" dirty="0" smtClean="0"/>
+              <a:t> </a:t>
+            </a:r>
+            <a:r>
               <a:rPr lang="en-US" dirty="0"/>
-              <a:t/>
+              <a:t>| 0</a:t>
             </a:r>
             <a:br>
               <a:rPr lang="en-US" dirty="0"/>
             </a:br>
             <a:r>
               <a:rPr lang="en-US" dirty="0"/>
-              <a:t>let y</a:t>
+              <a:t>let </a:t>
             </a:r>
             <a:r>
               <a:rPr lang="en-US" dirty="0" smtClean="0"/>
-              <a:t> </a:t>
+              <a:t>y </a:t>
             </a:r>
             <a:r>
               <a:rPr lang="en-US" dirty="0"/>
               <a:t>= </a:t>
             </a:r>
             <a:r>
-              <a:rPr lang="en-US" dirty="0" err="1"/>
+              <a:rPr lang="en-US" dirty="0" smtClean="0"/>
+              <a:t>+</a:t>
+            </a:r>
+            <a:r>
+              <a:rPr lang="en-US" dirty="0" err="1" smtClean="0"/>
               <a:t>inputValue</a:t>
             </a:r>
             <a:endParaRPr lang="ru-RU" dirty="0"/>
@@ -8597,7 +8682,7 @@
         <p:spPr>
           <a:xfrm>
             <a:off x="4970585" y="4243754"/>
-            <a:ext cx="1980094" cy="1938992"/>
+            <a:ext cx="2143920" cy="707886"/>
           </a:xfrm>
           <a:prstGeom prst="rect">
             <a:avLst/>
@@ -8611,30 +8696,13 @@
           <a:lstStyle/>
           <a:p>
             <a:r>
-              <a:rPr lang="en-US" sz="4000" dirty="0" smtClean="0"/>
-              <a:t>x: </a:t>
-            </a:r>
-            <a:r>
-              <a:rPr lang="en-US" sz="4000" dirty="0" err="1" smtClean="0"/>
-              <a:t>int</a:t>
-            </a:r>
-            <a:r>
-              <a:rPr lang="en-US" sz="4000" dirty="0" smtClean="0"/>
-              <a:t> ?</a:t>
-            </a:r>
-          </a:p>
-          <a:p>
-            <a:r>
-              <a:rPr lang="en-US" sz="4000" dirty="0" smtClean="0"/>
-              <a:t>y: float </a:t>
-            </a:r>
-            <a:r>
-              <a:rPr lang="en-US" sz="4000" dirty="0"/>
-              <a:t>?</a:t>
-            </a:r>
-            <a:endParaRPr lang="ru-RU" sz="4000" dirty="0"/>
-          </a:p>
-          <a:p>
+              <a:rPr lang="ru-RU" sz="4000" dirty="0"/>
+              <a:t>п</a:t>
+            </a:r>
+            <a:r>
+              <a:rPr lang="ru-RU" sz="4000" dirty="0" smtClean="0"/>
+              <a:t>очему ?</a:t>
+            </a:r>
             <a:endParaRPr lang="ru-RU" sz="4000" dirty="0"/>
           </a:p>
         </p:txBody>
@@ -8642,7 +8710,7 @@
     </p:spTree>
     <p:extLst>
       <p:ext uri="{BB962C8B-B14F-4D97-AF65-F5344CB8AC3E}">
-        <p14:creationId xmlns:p14="http://schemas.microsoft.com/office/powerpoint/2010/main" val="4164596959"/>
+        <p14:creationId xmlns:p14="http://schemas.microsoft.com/office/powerpoint/2010/main" val="1581630993"/>
       </p:ext>
     </p:extLst>
   </p:cSld>
@@ -8692,58 +8760,35 @@
           <a:lstStyle/>
           <a:p>
             <a:r>
-              <a:rPr lang="en-US" dirty="0" smtClean="0"/>
-              <a:t>let x = </a:t>
-            </a:r>
-            <a:r>
-              <a:rPr lang="en-US" dirty="0" err="1" smtClean="0"/>
-              <a:t>inputValue</a:t>
-            </a:r>
-            <a:r>
-              <a:rPr lang="en-US" dirty="0" smtClean="0"/>
-              <a:t> </a:t>
-            </a:r>
-            <a:r>
-              <a:rPr lang="en-US" dirty="0"/>
-              <a:t>| 0</a:t>
-            </a:r>
-            <a:br>
-              <a:rPr lang="en-US" dirty="0"/>
-            </a:br>
-            <a:r>
-              <a:rPr lang="en-US" dirty="0"/>
+              <a:rPr lang="en-US" sz="4400" dirty="0" smtClean="0"/>
               <a:t>let </a:t>
             </a:r>
             <a:r>
-              <a:rPr lang="en-US" dirty="0" smtClean="0"/>
-              <a:t>y </a:t>
-            </a:r>
-            <a:r>
-              <a:rPr lang="en-US" dirty="0"/>
-              <a:t>= </a:t>
-            </a:r>
-            <a:r>
-              <a:rPr lang="en-US" dirty="0" smtClean="0"/>
-              <a:t>+</a:t>
-            </a:r>
-            <a:r>
-              <a:rPr lang="en-US" dirty="0" err="1" smtClean="0"/>
-              <a:t>inputValue</a:t>
-            </a:r>
-            <a:endParaRPr lang="ru-RU" dirty="0"/>
-          </a:p>
-        </p:txBody>
-      </p:sp>
-      <p:sp>
-        <p:nvSpPr>
-          <p:cNvPr id="2" name="TextBox 1"/>
+              <a:rPr lang="en-US" sz="4400" dirty="0"/>
+              <a:t>heap = new </a:t>
+            </a:r>
+            <a:r>
+              <a:rPr lang="en-US" sz="4400" dirty="0" err="1" smtClean="0"/>
+              <a:t>ArrayBuffer</a:t>
+            </a:r>
+            <a:r>
+              <a:rPr lang="en-US" sz="4400" dirty="0" smtClean="0"/>
+              <a:t>(0x10000);</a:t>
+            </a:r>
+            <a:endParaRPr lang="ru-RU" sz="4400" dirty="0"/>
+          </a:p>
+        </p:txBody>
+      </p:sp>
+      <p:sp>
+        <p:nvSpPr>
+          <p:cNvPr id="3" name="TextBox 2"/>
           <p:cNvSpPr txBox="1"/>
           <p:nvPr/>
         </p:nvSpPr>
         <p:spPr>
           <a:xfrm>
-            <a:off x="4970585" y="4243754"/>
-            <a:ext cx="2143920" cy="707886"/>
+            <a:off x="3610287" y="4314092"/>
+            <a:ext cx="4971426" cy="584775"/>
           </a:xfrm>
           <a:prstGeom prst="rect">
             <a:avLst/>
@@ -8757,21 +8802,29 @@
           <a:lstStyle/>
           <a:p>
             <a:r>
-              <a:rPr lang="ru-RU" sz="4000" dirty="0"/>
-              <a:t>п</a:t>
-            </a:r>
-            <a:r>
-              <a:rPr lang="ru-RU" sz="4000" dirty="0" smtClean="0"/>
-              <a:t>очему ?</a:t>
-            </a:r>
-            <a:endParaRPr lang="ru-RU" sz="4000" dirty="0"/>
+              <a:rPr lang="en-US" sz="3200" dirty="0" smtClean="0"/>
+              <a:t>access</a:t>
+            </a:r>
+            <a:r>
+              <a:rPr lang="en-US" sz="3200" dirty="0"/>
+              <a:t>: </a:t>
+            </a:r>
+            <a:r>
+              <a:rPr lang="en-US" sz="3200" dirty="0" smtClean="0"/>
+              <a:t>    values[pointer&gt;&gt;</a:t>
+            </a:r>
+            <a:r>
+              <a:rPr lang="en-US" sz="3200" dirty="0"/>
+              <a:t>3]</a:t>
+            </a:r>
+            <a:endParaRPr lang="ru-RU" sz="3200" dirty="0"/>
           </a:p>
         </p:txBody>
       </p:sp>
     </p:spTree>
     <p:extLst>
       <p:ext uri="{BB962C8B-B14F-4D97-AF65-F5344CB8AC3E}">
-        <p14:creationId xmlns:p14="http://schemas.microsoft.com/office/powerpoint/2010/main" val="1581630993"/>
+        <p14:creationId xmlns:p14="http://schemas.microsoft.com/office/powerpoint/2010/main" val="508688420"/>
       </p:ext>
     </p:extLst>
   </p:cSld>
@@ -8871,11 +8924,7 @@
           <a:p>
             <a:r>
               <a:rPr lang="en-US" dirty="0" smtClean="0"/>
-              <a:t>Machine </a:t>
-            </a:r>
-            <a:r>
-              <a:rPr lang="en-US" dirty="0" smtClean="0"/>
-              <a:t>Learning</a:t>
+              <a:t>Machine Learning</a:t>
             </a:r>
           </a:p>
           <a:p>
@@ -8915,120 +8964,6 @@
 </file>
 
 <file path=ppt/slides/slide40.xml><?xml version="1.0" encoding="utf-8"?>
-<p:sld xmlns:a="http://schemas.openxmlformats.org/drawingml/2006/main" xmlns:r="http://schemas.openxmlformats.org/officeDocument/2006/relationships" xmlns:p="http://schemas.openxmlformats.org/presentationml/2006/main">
-  <p:cSld>
-    <p:spTree>
-      <p:nvGrpSpPr>
-        <p:cNvPr id="1" name=""/>
-        <p:cNvGrpSpPr/>
-        <p:nvPr/>
-      </p:nvGrpSpPr>
-      <p:grpSpPr>
-        <a:xfrm>
-          <a:off x="0" y="0"/>
-          <a:ext cx="0" cy="0"/>
-          <a:chOff x="0" y="0"/>
-          <a:chExt cx="0" cy="0"/>
-        </a:xfrm>
-      </p:grpSpPr>
-      <p:sp>
-        <p:nvSpPr>
-          <p:cNvPr id="4" name="Заголовок 3"/>
-          <p:cNvSpPr>
-            <a:spLocks noGrp="1"/>
-          </p:cNvSpPr>
-          <p:nvPr>
-            <p:ph type="ctrTitle"/>
-          </p:nvPr>
-        </p:nvSpPr>
-        <p:spPr/>
-        <p:txBody>
-          <a:bodyPr/>
-          <a:lstStyle/>
-          <a:p>
-            <a:r>
-              <a:rPr lang="en-US" sz="4400" dirty="0" smtClean="0"/>
-              <a:t>let </a:t>
-            </a:r>
-            <a:r>
-              <a:rPr lang="en-US" sz="4400" dirty="0"/>
-              <a:t>heap = new </a:t>
-            </a:r>
-            <a:r>
-              <a:rPr lang="en-US" sz="4400" dirty="0" err="1" smtClean="0"/>
-              <a:t>ArrayBuffer</a:t>
-            </a:r>
-            <a:r>
-              <a:rPr lang="en-US" sz="4400" dirty="0" smtClean="0"/>
-              <a:t>(0x10000);</a:t>
-            </a:r>
-            <a:endParaRPr lang="ru-RU" sz="4400" dirty="0"/>
-          </a:p>
-        </p:txBody>
-      </p:sp>
-      <p:sp>
-        <p:nvSpPr>
-          <p:cNvPr id="3" name="TextBox 2"/>
-          <p:cNvSpPr txBox="1"/>
-          <p:nvPr/>
-        </p:nvSpPr>
-        <p:spPr>
-          <a:xfrm>
-            <a:off x="3610287" y="4314092"/>
-            <a:ext cx="4971426" cy="584775"/>
-          </a:xfrm>
-          <a:prstGeom prst="rect">
-            <a:avLst/>
-          </a:prstGeom>
-          <a:noFill/>
-        </p:spPr>
-        <p:txBody>
-          <a:bodyPr wrap="none" rtlCol="0">
-            <a:spAutoFit/>
-          </a:bodyPr>
-          <a:lstStyle/>
-          <a:p>
-            <a:r>
-              <a:rPr lang="en-US" sz="3200" dirty="0" smtClean="0"/>
-              <a:t>access</a:t>
-            </a:r>
-            <a:r>
-              <a:rPr lang="en-US" sz="3200" dirty="0"/>
-              <a:t>: </a:t>
-            </a:r>
-            <a:r>
-              <a:rPr lang="en-US" sz="3200" dirty="0" smtClean="0"/>
-              <a:t>    values[pointer&gt;&gt;</a:t>
-            </a:r>
-            <a:r>
-              <a:rPr lang="en-US" sz="3200" dirty="0"/>
-              <a:t>3]</a:t>
-            </a:r>
-            <a:endParaRPr lang="ru-RU" sz="3200" dirty="0"/>
-          </a:p>
-        </p:txBody>
-      </p:sp>
-    </p:spTree>
-    <p:extLst>
-      <p:ext uri="{BB962C8B-B14F-4D97-AF65-F5344CB8AC3E}">
-        <p14:creationId xmlns:p14="http://schemas.microsoft.com/office/powerpoint/2010/main" val="508688420"/>
-      </p:ext>
-    </p:extLst>
-  </p:cSld>
-  <p:clrMapOvr>
-    <a:masterClrMapping/>
-  </p:clrMapOvr>
-  <p:timing>
-    <p:tnLst>
-      <p:par>
-        <p:cTn id="1" dur="indefinite" restart="never" nodeType="tmRoot"/>
-      </p:par>
-    </p:tnLst>
-  </p:timing>
-</p:sld>
-</file>
-
-<file path=ppt/slides/slide41.xml><?xml version="1.0" encoding="utf-8"?>
 <p:sld xmlns:a="http://schemas.openxmlformats.org/drawingml/2006/main" xmlns:r="http://schemas.openxmlformats.org/officeDocument/2006/relationships" xmlns:p="http://schemas.openxmlformats.org/presentationml/2006/main">
   <p:cSld>
     <p:spTree>
@@ -9117,7 +9052,7 @@
 </p:sld>
 </file>
 
-<file path=ppt/slides/slide42.xml><?xml version="1.0" encoding="utf-8"?>
+<file path=ppt/slides/slide41.xml><?xml version="1.0" encoding="utf-8"?>
 <p:sld xmlns:a="http://schemas.openxmlformats.org/drawingml/2006/main" xmlns:r="http://schemas.openxmlformats.org/officeDocument/2006/relationships" xmlns:p="http://schemas.openxmlformats.org/presentationml/2006/main">
   <p:cSld>
     <p:spTree>
@@ -9236,7 +9171,7 @@
 </p:sld>
 </file>
 
-<file path=ppt/slides/slide43.xml><?xml version="1.0" encoding="utf-8"?>
+<file path=ppt/slides/slide42.xml><?xml version="1.0" encoding="utf-8"?>
 <p:sld xmlns:a="http://schemas.openxmlformats.org/drawingml/2006/main" xmlns:r="http://schemas.openxmlformats.org/officeDocument/2006/relationships" xmlns:p="http://schemas.openxmlformats.org/presentationml/2006/main">
   <p:cSld>
     <p:spTree>
@@ -9325,7 +9260,7 @@
 </p:sld>
 </file>
 
-<file path=ppt/slides/slide44.xml><?xml version="1.0" encoding="utf-8"?>
+<file path=ppt/slides/slide43.xml><?xml version="1.0" encoding="utf-8"?>
 <p:sld xmlns:a="http://schemas.openxmlformats.org/drawingml/2006/main" xmlns:r="http://schemas.openxmlformats.org/officeDocument/2006/relationships" xmlns:p="http://schemas.openxmlformats.org/presentationml/2006/main">
   <p:cSld>
     <p:spTree>
@@ -9507,6 +9442,66 @@
 </p:sld>
 </file>
 
+<file path=ppt/slides/slide44.xml><?xml version="1.0" encoding="utf-8"?>
+<p:sld xmlns:a="http://schemas.openxmlformats.org/drawingml/2006/main" xmlns:r="http://schemas.openxmlformats.org/officeDocument/2006/relationships" xmlns:p="http://schemas.openxmlformats.org/presentationml/2006/main">
+  <p:cSld>
+    <p:spTree>
+      <p:nvGrpSpPr>
+        <p:cNvPr id="1" name=""/>
+        <p:cNvGrpSpPr/>
+        <p:nvPr/>
+      </p:nvGrpSpPr>
+      <p:grpSpPr>
+        <a:xfrm>
+          <a:off x="0" y="0"/>
+          <a:ext cx="0" cy="0"/>
+          <a:chOff x="0" y="0"/>
+          <a:chExt cx="0" cy="0"/>
+        </a:xfrm>
+      </p:grpSpPr>
+      <p:sp>
+        <p:nvSpPr>
+          <p:cNvPr id="4" name="Заголовок 3"/>
+          <p:cNvSpPr>
+            <a:spLocks noGrp="1"/>
+          </p:cNvSpPr>
+          <p:nvPr>
+            <p:ph type="ctrTitle"/>
+          </p:nvPr>
+        </p:nvSpPr>
+        <p:spPr/>
+        <p:txBody>
+          <a:bodyPr/>
+          <a:lstStyle/>
+          <a:p>
+            <a:r>
+              <a:rPr lang="en-US" dirty="0" err="1"/>
+              <a:t>WebAssembly</a:t>
+            </a:r>
+            <a:endParaRPr lang="ru-RU" dirty="0"/>
+          </a:p>
+        </p:txBody>
+      </p:sp>
+    </p:spTree>
+    <p:extLst>
+      <p:ext uri="{BB962C8B-B14F-4D97-AF65-F5344CB8AC3E}">
+        <p14:creationId xmlns:p14="http://schemas.microsoft.com/office/powerpoint/2010/main" val="950696253"/>
+      </p:ext>
+    </p:extLst>
+  </p:cSld>
+  <p:clrMapOvr>
+    <a:masterClrMapping/>
+  </p:clrMapOvr>
+  <p:timing>
+    <p:tnLst>
+      <p:par>
+        <p:cTn id="1" dur="indefinite" restart="never" nodeType="tmRoot"/>
+      </p:par>
+    </p:tnLst>
+  </p:timing>
+</p:sld>
+</file>
+
 <file path=ppt/slides/slide45.xml><?xml version="1.0" encoding="utf-8"?>
 <p:sld xmlns:a="http://schemas.openxmlformats.org/drawingml/2006/main" xmlns:r="http://schemas.openxmlformats.org/officeDocument/2006/relationships" xmlns:p="http://schemas.openxmlformats.org/presentationml/2006/main">
   <p:cSld>
@@ -9526,12 +9521,12 @@
       </p:grpSpPr>
       <p:sp>
         <p:nvSpPr>
-          <p:cNvPr id="4" name="Заголовок 3"/>
-          <p:cNvSpPr>
-            <a:spLocks noGrp="1"/>
-          </p:cNvSpPr>
-          <p:nvPr>
-            <p:ph type="ctrTitle"/>
+          <p:cNvPr id="2" name="Заголовок 1"/>
+          <p:cNvSpPr>
+            <a:spLocks noGrp="1"/>
+          </p:cNvSpPr>
+          <p:nvPr>
+            <p:ph type="title"/>
           </p:nvPr>
         </p:nvSpPr>
         <p:spPr/>
@@ -9539,10 +9534,149 @@
           <a:bodyPr/>
           <a:lstStyle/>
           <a:p>
+            <a:r>
+              <a:rPr lang="en-US" dirty="0" err="1" smtClean="0"/>
+              <a:t>WebAssembly</a:t>
+            </a:r>
+            <a:r>
+              <a:rPr lang="en-US" dirty="0" smtClean="0"/>
+              <a:t> </a:t>
+            </a:r>
+            <a:r>
+              <a:rPr lang="en-US" b="1" dirty="0"/>
+              <a:t>Minimum Viable </a:t>
+            </a:r>
+            <a:r>
+              <a:rPr lang="en-US" b="1" dirty="0" smtClean="0"/>
+              <a:t>Product</a:t>
+            </a:r>
+            <a:endParaRPr lang="ru-RU" dirty="0"/>
+          </a:p>
+        </p:txBody>
+      </p:sp>
+      <p:sp>
+        <p:nvSpPr>
+          <p:cNvPr id="3" name="Объект 2"/>
+          <p:cNvSpPr>
+            <a:spLocks noGrp="1"/>
+          </p:cNvSpPr>
+          <p:nvPr>
+            <p:ph idx="1"/>
+          </p:nvPr>
+        </p:nvSpPr>
+        <p:spPr/>
+        <p:txBody>
+          <a:bodyPr>
+            <a:normAutofit fontScale="70000" lnSpcReduction="20000"/>
+          </a:bodyPr>
+          <a:lstStyle/>
+          <a:p>
+            <a:r>
+              <a:rPr lang="en-US" dirty="0" smtClean="0"/>
+              <a:t>The </a:t>
+            </a:r>
+            <a:r>
+              <a:rPr lang="en-US" dirty="0"/>
+              <a:t>distributable, loadable and executable unit of code in </a:t>
+            </a:r>
             <a:r>
               <a:rPr lang="en-US" dirty="0" err="1"/>
               <a:t>WebAssembly</a:t>
             </a:r>
+            <a:r>
+              <a:rPr lang="en-US" dirty="0"/>
+              <a:t> is called a module</a:t>
+            </a:r>
+            <a:r>
+              <a:rPr lang="en-US" dirty="0" smtClean="0"/>
+              <a:t>.</a:t>
+            </a:r>
+          </a:p>
+          <a:p>
+            <a:endParaRPr lang="en-US" dirty="0"/>
+          </a:p>
+          <a:p>
+            <a:r>
+              <a:rPr lang="en-US" dirty="0"/>
+              <a:t>The behavior of </a:t>
+            </a:r>
+            <a:r>
+              <a:rPr lang="en-US" dirty="0" err="1"/>
+              <a:t>WebAssembly</a:t>
+            </a:r>
+            <a:r>
+              <a:rPr lang="en-US" dirty="0"/>
+              <a:t> code in a module is specified in terms of instructions for a structured stack machine</a:t>
+            </a:r>
+            <a:r>
+              <a:rPr lang="en-US" dirty="0" smtClean="0"/>
+              <a:t>.</a:t>
+            </a:r>
+          </a:p>
+          <a:p>
+            <a:endParaRPr lang="en-US" dirty="0"/>
+          </a:p>
+          <a:p>
+            <a:r>
+              <a:rPr lang="en-US" dirty="0"/>
+              <a:t>The </a:t>
+            </a:r>
+            <a:r>
+              <a:rPr lang="en-US" dirty="0" err="1"/>
+              <a:t>WebAssembly</a:t>
+            </a:r>
+            <a:r>
+              <a:rPr lang="en-US" dirty="0"/>
+              <a:t> binary format, which is designed to be natively decoded by </a:t>
+            </a:r>
+            <a:r>
+              <a:rPr lang="en-US" dirty="0" err="1"/>
+              <a:t>WebAssembly</a:t>
+            </a:r>
+            <a:r>
+              <a:rPr lang="en-US" dirty="0"/>
+              <a:t> implementations, is specified as a binary encoding of a module’s structure and code</a:t>
+            </a:r>
+            <a:r>
+              <a:rPr lang="en-US" dirty="0" smtClean="0"/>
+              <a:t>.</a:t>
+            </a:r>
+          </a:p>
+          <a:p>
+            <a:endParaRPr lang="en-US" dirty="0"/>
+          </a:p>
+          <a:p>
+            <a:r>
+              <a:rPr lang="en-US" dirty="0"/>
+              <a:t>The </a:t>
+            </a:r>
+            <a:r>
+              <a:rPr lang="en-US" dirty="0" err="1"/>
+              <a:t>WebAssembly</a:t>
+            </a:r>
+            <a:r>
+              <a:rPr lang="en-US" dirty="0"/>
+              <a:t> text format, which is designed to be read and written when using tools (e.g., assemblers, debuggers, profilers), is specified as a textual projection of a module’s structure and code</a:t>
+            </a:r>
+            <a:r>
+              <a:rPr lang="en-US" dirty="0" smtClean="0"/>
+              <a:t>.</a:t>
+            </a:r>
+          </a:p>
+          <a:p>
+            <a:endParaRPr lang="en-US" dirty="0"/>
+          </a:p>
+          <a:p>
+            <a:r>
+              <a:rPr lang="en-US" dirty="0" err="1"/>
+              <a:t>WebAssembly</a:t>
+            </a:r>
+            <a:r>
+              <a:rPr lang="en-US" dirty="0"/>
+              <a:t> is designed to be implemented both by web browsers and completely different execution environments.</a:t>
+            </a:r>
+          </a:p>
+          <a:p>
             <a:endParaRPr lang="ru-RU" dirty="0"/>
           </a:p>
         </p:txBody>
@@ -9550,7 +9684,7 @@
     </p:spTree>
     <p:extLst>
       <p:ext uri="{BB962C8B-B14F-4D97-AF65-F5344CB8AC3E}">
-        <p14:creationId xmlns:p14="http://schemas.microsoft.com/office/powerpoint/2010/main" val="950696253"/>
+        <p14:creationId xmlns:p14="http://schemas.microsoft.com/office/powerpoint/2010/main" val="1440991124"/>
       </p:ext>
     </p:extLst>
   </p:cSld>
@@ -9603,33 +9737,55 @@
               <a:rPr lang="en-US" dirty="0" err="1" smtClean="0"/>
               <a:t>WebAssembly</a:t>
             </a:r>
+            <a:r>
+              <a:rPr lang="en-US" dirty="0" smtClean="0"/>
+              <a:t> </a:t>
+            </a:r>
+            <a:r>
+              <a:rPr lang="en-US" b="1" dirty="0"/>
+              <a:t>Features to add after the </a:t>
+            </a:r>
+            <a:r>
+              <a:rPr lang="en-US" b="1" dirty="0" smtClean="0"/>
+              <a:t>MVP</a:t>
+            </a:r>
             <a:endParaRPr lang="ru-RU" dirty="0"/>
           </a:p>
         </p:txBody>
       </p:sp>
-      <p:sp>
-        <p:nvSpPr>
-          <p:cNvPr id="3" name="Объект 2"/>
-          <p:cNvSpPr>
-            <a:spLocks noGrp="1"/>
-          </p:cNvSpPr>
+      <p:pic>
+        <p:nvPicPr>
+          <p:cNvPr id="4" name="Content Placeholder 3"/>
+          <p:cNvPicPr>
+            <a:picLocks noGrp="1" noChangeAspect="1"/>
+          </p:cNvPicPr>
           <p:nvPr>
             <p:ph idx="1"/>
           </p:nvPr>
-        </p:nvSpPr>
-        <p:spPr/>
-        <p:txBody>
-          <a:bodyPr/>
-          <a:lstStyle/>
-          <a:p>
-            <a:endParaRPr lang="ru-RU"/>
-          </a:p>
-        </p:txBody>
-      </p:sp>
+        </p:nvPicPr>
+        <p:blipFill>
+          <a:blip r:embed="rId2">
+            <a:extLst>
+              <a:ext uri="{28A0092B-C50C-407E-A947-70E740481C1C}">
+                <a14:useLocalDpi xmlns:a14="http://schemas.microsoft.com/office/drawing/2010/main" val="0"/>
+              </a:ext>
+            </a:extLst>
+          </a:blip>
+          <a:stretch>
+            <a:fillRect/>
+          </a:stretch>
+        </p:blipFill>
+        <p:spPr>
+          <a:xfrm>
+            <a:off x="3047819" y="2330793"/>
+            <a:ext cx="6096362" cy="3776607"/>
+          </a:xfrm>
+        </p:spPr>
+      </p:pic>
     </p:spTree>
     <p:extLst>
       <p:ext uri="{BB962C8B-B14F-4D97-AF65-F5344CB8AC3E}">
-        <p14:creationId xmlns:p14="http://schemas.microsoft.com/office/powerpoint/2010/main" val="1440991124"/>
+        <p14:creationId xmlns:p14="http://schemas.microsoft.com/office/powerpoint/2010/main" val="1908489710"/>
       </p:ext>
     </p:extLst>
   </p:cSld>
@@ -9647,6 +9803,684 @@
 </file>
 
 <file path=ppt/slides/slide47.xml><?xml version="1.0" encoding="utf-8"?>
+<p:sld xmlns:a="http://schemas.openxmlformats.org/drawingml/2006/main" xmlns:r="http://schemas.openxmlformats.org/officeDocument/2006/relationships" xmlns:p="http://schemas.openxmlformats.org/presentationml/2006/main">
+  <p:cSld>
+    <p:spTree>
+      <p:nvGrpSpPr>
+        <p:cNvPr id="1" name=""/>
+        <p:cNvGrpSpPr/>
+        <p:nvPr/>
+      </p:nvGrpSpPr>
+      <p:grpSpPr>
+        <a:xfrm>
+          <a:off x="0" y="0"/>
+          <a:ext cx="0" cy="0"/>
+          <a:chOff x="0" y="0"/>
+          <a:chExt cx="0" cy="0"/>
+        </a:xfrm>
+      </p:grpSpPr>
+      <p:sp>
+        <p:nvSpPr>
+          <p:cNvPr id="2" name="Заголовок 1"/>
+          <p:cNvSpPr>
+            <a:spLocks noGrp="1"/>
+          </p:cNvSpPr>
+          <p:nvPr>
+            <p:ph type="title"/>
+          </p:nvPr>
+        </p:nvSpPr>
+        <p:spPr/>
+        <p:txBody>
+          <a:bodyPr/>
+          <a:lstStyle/>
+          <a:p>
+            <a:r>
+              <a:rPr lang="en-US" dirty="0" err="1" smtClean="0"/>
+              <a:t>WebAssembly</a:t>
+            </a:r>
+            <a:r>
+              <a:rPr lang="en-US" dirty="0" smtClean="0"/>
+              <a:t> </a:t>
+            </a:r>
+            <a:r>
+              <a:rPr lang="en-US" b="1" dirty="0"/>
+              <a:t>High-Level </a:t>
+            </a:r>
+            <a:r>
+              <a:rPr lang="en-US" b="1" dirty="0" smtClean="0"/>
+              <a:t>Goals</a:t>
+            </a:r>
+            <a:endParaRPr lang="ru-RU" dirty="0"/>
+          </a:p>
+        </p:txBody>
+      </p:sp>
+      <p:sp>
+        <p:nvSpPr>
+          <p:cNvPr id="3" name="Объект 2"/>
+          <p:cNvSpPr>
+            <a:spLocks noGrp="1"/>
+          </p:cNvSpPr>
+          <p:nvPr>
+            <p:ph idx="1"/>
+          </p:nvPr>
+        </p:nvSpPr>
+        <p:spPr/>
+        <p:txBody>
+          <a:bodyPr>
+            <a:normAutofit/>
+          </a:bodyPr>
+          <a:lstStyle/>
+          <a:p>
+            <a:r>
+              <a:rPr lang="en-US" dirty="0"/>
+              <a:t>Define a portable, size- and load-time-efficient binary </a:t>
+            </a:r>
+            <a:r>
+              <a:rPr lang="en-US" dirty="0" smtClean="0"/>
+              <a:t>format…</a:t>
+            </a:r>
+          </a:p>
+          <a:p>
+            <a:r>
+              <a:rPr lang="en-US" dirty="0"/>
+              <a:t>Specify and implement </a:t>
+            </a:r>
+            <a:r>
+              <a:rPr lang="en-US" dirty="0" smtClean="0"/>
+              <a:t>incrementally</a:t>
+            </a:r>
+          </a:p>
+          <a:p>
+            <a:r>
+              <a:rPr lang="en-US" dirty="0"/>
+              <a:t>Design to execute within and integrate well with the </a:t>
+            </a:r>
+            <a:r>
+              <a:rPr lang="en-US" i="1" dirty="0"/>
+              <a:t>existing</a:t>
+            </a:r>
+            <a:r>
+              <a:rPr lang="en-US" dirty="0"/>
+              <a:t> Web </a:t>
+            </a:r>
+            <a:r>
+              <a:rPr lang="en-US" dirty="0" smtClean="0"/>
+              <a:t>platform</a:t>
+            </a:r>
+          </a:p>
+          <a:p>
+            <a:r>
+              <a:rPr lang="en-US" dirty="0"/>
+              <a:t>Design to support non-browser </a:t>
+            </a:r>
+            <a:r>
+              <a:rPr lang="en-US" dirty="0" err="1"/>
+              <a:t>embeddings</a:t>
+            </a:r>
+            <a:r>
+              <a:rPr lang="en-US" dirty="0"/>
+              <a:t> as </a:t>
+            </a:r>
+            <a:r>
+              <a:rPr lang="en-US" dirty="0" smtClean="0"/>
+              <a:t>well</a:t>
+            </a:r>
+            <a:endParaRPr lang="en-US" dirty="0"/>
+          </a:p>
+          <a:p>
+            <a:r>
+              <a:rPr lang="en-US" dirty="0"/>
+              <a:t>Make a great </a:t>
+            </a:r>
+            <a:r>
+              <a:rPr lang="en-US" dirty="0" smtClean="0"/>
+              <a:t>platform</a:t>
+            </a:r>
+            <a:endParaRPr lang="ru-RU" dirty="0"/>
+          </a:p>
+        </p:txBody>
+      </p:sp>
+    </p:spTree>
+    <p:extLst>
+      <p:ext uri="{BB962C8B-B14F-4D97-AF65-F5344CB8AC3E}">
+        <p14:creationId xmlns:p14="http://schemas.microsoft.com/office/powerpoint/2010/main" val="2497017542"/>
+      </p:ext>
+    </p:extLst>
+  </p:cSld>
+  <p:clrMapOvr>
+    <a:masterClrMapping/>
+  </p:clrMapOvr>
+  <p:timing>
+    <p:tnLst>
+      <p:par>
+        <p:cTn id="1" dur="indefinite" restart="never" nodeType="tmRoot"/>
+      </p:par>
+    </p:tnLst>
+  </p:timing>
+</p:sld>
+</file>
+
+<file path=ppt/slides/slide48.xml><?xml version="1.0" encoding="utf-8"?>
+<p:sld xmlns:a="http://schemas.openxmlformats.org/drawingml/2006/main" xmlns:r="http://schemas.openxmlformats.org/officeDocument/2006/relationships" xmlns:p="http://schemas.openxmlformats.org/presentationml/2006/main">
+  <p:cSld>
+    <p:spTree>
+      <p:nvGrpSpPr>
+        <p:cNvPr id="1" name=""/>
+        <p:cNvGrpSpPr/>
+        <p:nvPr/>
+      </p:nvGrpSpPr>
+      <p:grpSpPr>
+        <a:xfrm>
+          <a:off x="0" y="0"/>
+          <a:ext cx="0" cy="0"/>
+          <a:chOff x="0" y="0"/>
+          <a:chExt cx="0" cy="0"/>
+        </a:xfrm>
+      </p:grpSpPr>
+      <p:pic>
+        <p:nvPicPr>
+          <p:cNvPr id="4" name="Picture 3"/>
+          <p:cNvPicPr>
+            <a:picLocks noChangeAspect="1"/>
+          </p:cNvPicPr>
+          <p:nvPr/>
+        </p:nvPicPr>
+        <p:blipFill>
+          <a:blip r:embed="rId2">
+            <a:extLst>
+              <a:ext uri="{28A0092B-C50C-407E-A947-70E740481C1C}">
+                <a14:useLocalDpi xmlns:a14="http://schemas.microsoft.com/office/drawing/2010/main" val="0"/>
+              </a:ext>
+            </a:extLst>
+          </a:blip>
+          <a:stretch>
+            <a:fillRect/>
+          </a:stretch>
+        </p:blipFill>
+        <p:spPr>
+          <a:xfrm>
+            <a:off x="1331641" y="0"/>
+            <a:ext cx="9472376" cy="6858000"/>
+          </a:xfrm>
+          <a:prstGeom prst="rect">
+            <a:avLst/>
+          </a:prstGeom>
+        </p:spPr>
+      </p:pic>
+    </p:spTree>
+    <p:extLst>
+      <p:ext uri="{BB962C8B-B14F-4D97-AF65-F5344CB8AC3E}">
+        <p14:creationId xmlns:p14="http://schemas.microsoft.com/office/powerpoint/2010/main" val="4189451398"/>
+      </p:ext>
+    </p:extLst>
+  </p:cSld>
+  <p:clrMapOvr>
+    <a:masterClrMapping/>
+  </p:clrMapOvr>
+</p:sld>
+</file>
+
+<file path=ppt/slides/slide49.xml><?xml version="1.0" encoding="utf-8"?>
+<p:sld xmlns:a="http://schemas.openxmlformats.org/drawingml/2006/main" xmlns:r="http://schemas.openxmlformats.org/officeDocument/2006/relationships" xmlns:p="http://schemas.openxmlformats.org/presentationml/2006/main">
+  <p:cSld>
+    <p:spTree>
+      <p:nvGrpSpPr>
+        <p:cNvPr id="1" name=""/>
+        <p:cNvGrpSpPr/>
+        <p:nvPr/>
+      </p:nvGrpSpPr>
+      <p:grpSpPr>
+        <a:xfrm>
+          <a:off x="0" y="0"/>
+          <a:ext cx="0" cy="0"/>
+          <a:chOff x="0" y="0"/>
+          <a:chExt cx="0" cy="0"/>
+        </a:xfrm>
+      </p:grpSpPr>
+      <p:sp>
+        <p:nvSpPr>
+          <p:cNvPr id="2" name="Title 1"/>
+          <p:cNvSpPr>
+            <a:spLocks noGrp="1"/>
+          </p:cNvSpPr>
+          <p:nvPr>
+            <p:ph type="title"/>
+          </p:nvPr>
+        </p:nvSpPr>
+        <p:spPr/>
+        <p:txBody>
+          <a:bodyPr/>
+          <a:lstStyle/>
+          <a:p>
+            <a:r>
+              <a:rPr lang="en-US" dirty="0" err="1"/>
+              <a:t>WebAssembly</a:t>
+            </a:r>
+            <a:endParaRPr lang="en-US" dirty="0"/>
+          </a:p>
+        </p:txBody>
+      </p:sp>
+      <p:pic>
+        <p:nvPicPr>
+          <p:cNvPr id="4" name="Content Placeholder 3"/>
+          <p:cNvPicPr>
+            <a:picLocks noGrp="1" noChangeAspect="1"/>
+          </p:cNvPicPr>
+          <p:nvPr>
+            <p:ph idx="1"/>
+          </p:nvPr>
+        </p:nvPicPr>
+        <p:blipFill>
+          <a:blip r:embed="rId2">
+            <a:extLst>
+              <a:ext uri="{28A0092B-C50C-407E-A947-70E740481C1C}">
+                <a14:useLocalDpi xmlns:a14="http://schemas.microsoft.com/office/drawing/2010/main" val="0"/>
+              </a:ext>
+            </a:extLst>
+          </a:blip>
+          <a:stretch>
+            <a:fillRect/>
+          </a:stretch>
+        </p:blipFill>
+        <p:spPr>
+          <a:xfrm>
+            <a:off x="2707133" y="1825625"/>
+            <a:ext cx="6777734" cy="4351338"/>
+          </a:xfrm>
+        </p:spPr>
+      </p:pic>
+    </p:spTree>
+    <p:extLst>
+      <p:ext uri="{BB962C8B-B14F-4D97-AF65-F5344CB8AC3E}">
+        <p14:creationId xmlns:p14="http://schemas.microsoft.com/office/powerpoint/2010/main" val="2973490527"/>
+      </p:ext>
+    </p:extLst>
+  </p:cSld>
+  <p:clrMapOvr>
+    <a:masterClrMapping/>
+  </p:clrMapOvr>
+</p:sld>
+</file>
+
+<file path=ppt/slides/slide5.xml><?xml version="1.0" encoding="utf-8"?>
+<p:sld xmlns:a="http://schemas.openxmlformats.org/drawingml/2006/main" xmlns:r="http://schemas.openxmlformats.org/officeDocument/2006/relationships" xmlns:p="http://schemas.openxmlformats.org/presentationml/2006/main">
+  <p:cSld>
+    <p:spTree>
+      <p:nvGrpSpPr>
+        <p:cNvPr id="1" name=""/>
+        <p:cNvGrpSpPr/>
+        <p:nvPr/>
+      </p:nvGrpSpPr>
+      <p:grpSpPr>
+        <a:xfrm>
+          <a:off x="0" y="0"/>
+          <a:ext cx="0" cy="0"/>
+          <a:chOff x="0" y="0"/>
+          <a:chExt cx="0" cy="0"/>
+        </a:xfrm>
+      </p:grpSpPr>
+      <p:sp>
+        <p:nvSpPr>
+          <p:cNvPr id="2" name="Заголовок 1"/>
+          <p:cNvSpPr>
+            <a:spLocks noGrp="1"/>
+          </p:cNvSpPr>
+          <p:nvPr>
+            <p:ph type="title"/>
+          </p:nvPr>
+        </p:nvSpPr>
+        <p:spPr/>
+        <p:txBody>
+          <a:bodyPr/>
+          <a:lstStyle/>
+          <a:p>
+            <a:r>
+              <a:rPr lang="en-US" dirty="0" smtClean="0"/>
+              <a:t>JS Data Types</a:t>
+            </a:r>
+            <a:endParaRPr lang="ru-RU" dirty="0"/>
+          </a:p>
+        </p:txBody>
+      </p:sp>
+      <p:sp>
+        <p:nvSpPr>
+          <p:cNvPr id="3" name="Объект 2"/>
+          <p:cNvSpPr>
+            <a:spLocks noGrp="1"/>
+          </p:cNvSpPr>
+          <p:nvPr>
+            <p:ph sz="half" idx="1"/>
+          </p:nvPr>
+        </p:nvSpPr>
+        <p:spPr/>
+        <p:txBody>
+          <a:bodyPr>
+            <a:normAutofit fontScale="55000" lnSpcReduction="20000"/>
+          </a:bodyPr>
+          <a:lstStyle/>
+          <a:p>
+            <a:r>
+              <a:rPr lang="en-US" dirty="0"/>
+              <a:t>N</a:t>
+            </a:r>
+            <a:r>
+              <a:rPr lang="en-US" dirty="0" smtClean="0"/>
+              <a:t>umber</a:t>
+            </a:r>
+            <a:endParaRPr lang="en-US" dirty="0"/>
+          </a:p>
+          <a:p>
+            <a:r>
+              <a:rPr lang="en-US" dirty="0" smtClean="0"/>
+              <a:t>String</a:t>
+            </a:r>
+            <a:endParaRPr lang="en-US" dirty="0"/>
+          </a:p>
+          <a:p>
+            <a:r>
+              <a:rPr lang="en-US" dirty="0" smtClean="0"/>
+              <a:t>Boolean</a:t>
+            </a:r>
+            <a:endParaRPr lang="en-US" dirty="0"/>
+          </a:p>
+          <a:p>
+            <a:r>
+              <a:rPr lang="en-US" dirty="0" smtClean="0"/>
+              <a:t>Null</a:t>
+            </a:r>
+            <a:endParaRPr lang="en-US" dirty="0"/>
+          </a:p>
+          <a:p>
+            <a:r>
+              <a:rPr lang="en-US" dirty="0" smtClean="0"/>
+              <a:t>Undefined</a:t>
+            </a:r>
+            <a:endParaRPr lang="en-US" dirty="0"/>
+          </a:p>
+          <a:p>
+            <a:r>
+              <a:rPr lang="en-US" dirty="0" smtClean="0"/>
+              <a:t>Objects</a:t>
+            </a:r>
+            <a:endParaRPr lang="en-US" dirty="0"/>
+          </a:p>
+          <a:p>
+            <a:r>
+              <a:rPr lang="en-US" dirty="0"/>
+              <a:t>Array (object)</a:t>
+            </a:r>
+          </a:p>
+          <a:p>
+            <a:r>
+              <a:rPr lang="ru-RU" dirty="0" err="1"/>
+              <a:t>RegExp</a:t>
+            </a:r>
+            <a:r>
+              <a:rPr lang="en-US" dirty="0"/>
+              <a:t> (object/</a:t>
+            </a:r>
+            <a:r>
+              <a:rPr lang="ru-RU" dirty="0" err="1"/>
+              <a:t>function</a:t>
+            </a:r>
+            <a:r>
+              <a:rPr lang="en-US" dirty="0"/>
+              <a:t>)</a:t>
+            </a:r>
+            <a:endParaRPr lang="ru-RU" dirty="0"/>
+          </a:p>
+          <a:p>
+            <a:r>
+              <a:rPr lang="en-US" dirty="0" smtClean="0"/>
+              <a:t>Function</a:t>
+            </a:r>
+            <a:endParaRPr lang="en-US" dirty="0"/>
+          </a:p>
+          <a:p>
+            <a:r>
+              <a:rPr lang="ru-RU" dirty="0" err="1"/>
+              <a:t>Symbol</a:t>
+            </a:r>
+            <a:endParaRPr lang="ru-RU" dirty="0"/>
+          </a:p>
+          <a:p>
+            <a:r>
+              <a:rPr lang="en-US" dirty="0"/>
+              <a:t>Map</a:t>
+            </a:r>
+          </a:p>
+          <a:p>
+            <a:r>
+              <a:rPr lang="en-US" dirty="0"/>
+              <a:t>Set</a:t>
+            </a:r>
+          </a:p>
+          <a:p>
+            <a:r>
+              <a:rPr lang="en-US" dirty="0" err="1"/>
+              <a:t>WeakMap</a:t>
+            </a:r>
+            <a:endParaRPr lang="en-US" dirty="0"/>
+          </a:p>
+          <a:p>
+            <a:r>
+              <a:rPr lang="en-US" dirty="0" err="1"/>
+              <a:t>WeakSet</a:t>
+            </a:r>
+            <a:endParaRPr lang="en-US" dirty="0"/>
+          </a:p>
+          <a:p>
+            <a:endParaRPr lang="ru-RU" dirty="0"/>
+          </a:p>
+        </p:txBody>
+      </p:sp>
+      <p:sp>
+        <p:nvSpPr>
+          <p:cNvPr id="4" name="Объект 3"/>
+          <p:cNvSpPr>
+            <a:spLocks noGrp="1"/>
+          </p:cNvSpPr>
+          <p:nvPr>
+            <p:ph sz="half" idx="2"/>
+          </p:nvPr>
+        </p:nvSpPr>
+        <p:spPr/>
+        <p:txBody>
+          <a:bodyPr>
+            <a:normAutofit fontScale="55000" lnSpcReduction="20000"/>
+          </a:bodyPr>
+          <a:lstStyle/>
+          <a:p>
+            <a:r>
+              <a:rPr lang="ru-RU" dirty="0"/>
+              <a:t>Int8Array</a:t>
+            </a:r>
+          </a:p>
+          <a:p>
+            <a:r>
+              <a:rPr lang="ru-RU" dirty="0"/>
+              <a:t>Uint8Array</a:t>
+            </a:r>
+          </a:p>
+          <a:p>
+            <a:r>
+              <a:rPr lang="ru-RU" dirty="0"/>
+              <a:t>Uint8ClampedArray</a:t>
+            </a:r>
+          </a:p>
+          <a:p>
+            <a:r>
+              <a:rPr lang="ru-RU" dirty="0"/>
+              <a:t>Int16Array</a:t>
+            </a:r>
+          </a:p>
+          <a:p>
+            <a:r>
+              <a:rPr lang="ru-RU" dirty="0"/>
+              <a:t>Uint16Array</a:t>
+            </a:r>
+          </a:p>
+          <a:p>
+            <a:r>
+              <a:rPr lang="ru-RU" dirty="0"/>
+              <a:t>Int32Array</a:t>
+            </a:r>
+          </a:p>
+          <a:p>
+            <a:r>
+              <a:rPr lang="ru-RU" dirty="0"/>
+              <a:t>Uint32Array</a:t>
+            </a:r>
+          </a:p>
+          <a:p>
+            <a:r>
+              <a:rPr lang="ru-RU" dirty="0"/>
+              <a:t>Float32Array</a:t>
+            </a:r>
+          </a:p>
+          <a:p>
+            <a:r>
+              <a:rPr lang="ru-RU" dirty="0"/>
+              <a:t>Float64Array</a:t>
+            </a:r>
+          </a:p>
+          <a:p>
+            <a:endParaRPr lang="ru-RU" dirty="0"/>
+          </a:p>
+        </p:txBody>
+      </p:sp>
+    </p:spTree>
+    <p:extLst>
+      <p:ext uri="{BB962C8B-B14F-4D97-AF65-F5344CB8AC3E}">
+        <p14:creationId xmlns:p14="http://schemas.microsoft.com/office/powerpoint/2010/main" val="2130251449"/>
+      </p:ext>
+    </p:extLst>
+  </p:cSld>
+  <p:clrMapOvr>
+    <a:masterClrMapping/>
+  </p:clrMapOvr>
+  <p:timing>
+    <p:tnLst>
+      <p:par>
+        <p:cTn id="1" dur="indefinite" restart="never" nodeType="tmRoot"/>
+      </p:par>
+    </p:tnLst>
+  </p:timing>
+</p:sld>
+</file>
+
+<file path=ppt/slides/slide50.xml><?xml version="1.0" encoding="utf-8"?>
+<p:sld xmlns:a="http://schemas.openxmlformats.org/drawingml/2006/main" xmlns:r="http://schemas.openxmlformats.org/officeDocument/2006/relationships" xmlns:p="http://schemas.openxmlformats.org/presentationml/2006/main">
+  <p:cSld>
+    <p:spTree>
+      <p:nvGrpSpPr>
+        <p:cNvPr id="1" name=""/>
+        <p:cNvGrpSpPr/>
+        <p:nvPr/>
+      </p:nvGrpSpPr>
+      <p:grpSpPr>
+        <a:xfrm>
+          <a:off x="0" y="0"/>
+          <a:ext cx="0" cy="0"/>
+          <a:chOff x="0" y="0"/>
+          <a:chExt cx="0" cy="0"/>
+        </a:xfrm>
+      </p:grpSpPr>
+      <p:sp>
+        <p:nvSpPr>
+          <p:cNvPr id="2" name="Title 1"/>
+          <p:cNvSpPr>
+            <a:spLocks noGrp="1"/>
+          </p:cNvSpPr>
+          <p:nvPr>
+            <p:ph type="title"/>
+          </p:nvPr>
+        </p:nvSpPr>
+        <p:spPr/>
+        <p:txBody>
+          <a:bodyPr/>
+          <a:lstStyle/>
+          <a:p>
+            <a:r>
+              <a:rPr lang="en-US" dirty="0" err="1"/>
+              <a:t>WebAssembly</a:t>
+            </a:r>
+            <a:endParaRPr lang="en-US" dirty="0"/>
+          </a:p>
+        </p:txBody>
+      </p:sp>
+      <p:sp>
+        <p:nvSpPr>
+          <p:cNvPr id="3" name="Content Placeholder 2"/>
+          <p:cNvSpPr>
+            <a:spLocks noGrp="1"/>
+          </p:cNvSpPr>
+          <p:nvPr>
+            <p:ph idx="1"/>
+          </p:nvPr>
+        </p:nvSpPr>
+        <p:spPr/>
+        <p:txBody>
+          <a:bodyPr>
+            <a:normAutofit/>
+          </a:bodyPr>
+          <a:lstStyle/>
+          <a:p>
+            <a:pPr marL="0" indent="0">
+              <a:buNone/>
+            </a:pPr>
+            <a:endParaRPr lang="ru-RU" sz="4000" dirty="0" smtClean="0"/>
+          </a:p>
+          <a:p>
+            <a:pPr marL="0" indent="0">
+              <a:buNone/>
+            </a:pPr>
+            <a:endParaRPr lang="ru-RU" sz="4000" dirty="0"/>
+          </a:p>
+          <a:p>
+            <a:pPr marL="0" indent="0">
+              <a:buNone/>
+            </a:pPr>
+            <a:r>
+              <a:rPr lang="en-US" sz="4000" dirty="0" smtClean="0"/>
+              <a:t>Q: </a:t>
+            </a:r>
+            <a:r>
+              <a:rPr lang="ru-RU" sz="4000" dirty="0" smtClean="0"/>
+              <a:t>Как использовать?</a:t>
+            </a:r>
+            <a:endParaRPr lang="en-US" sz="4000" dirty="0" smtClean="0"/>
+          </a:p>
+          <a:p>
+            <a:pPr marL="0" indent="0">
+              <a:buNone/>
+            </a:pPr>
+            <a:r>
+              <a:rPr lang="en-US" sz="4000" dirty="0" smtClean="0"/>
+              <a:t>A: </a:t>
+            </a:r>
+            <a:r>
+              <a:rPr lang="ru-RU" sz="4000" dirty="0" smtClean="0"/>
+              <a:t>Никак.</a:t>
+            </a:r>
+            <a:endParaRPr lang="en-US" sz="4000" dirty="0"/>
+          </a:p>
+        </p:txBody>
+      </p:sp>
+    </p:spTree>
+    <p:extLst>
+      <p:ext uri="{BB962C8B-B14F-4D97-AF65-F5344CB8AC3E}">
+        <p14:creationId xmlns:p14="http://schemas.microsoft.com/office/powerpoint/2010/main" val="3179971846"/>
+      </p:ext>
+    </p:extLst>
+  </p:cSld>
+  <p:clrMapOvr>
+    <a:masterClrMapping/>
+  </p:clrMapOvr>
+</p:sld>
+</file>
+
+<file path=ppt/slides/slide51.xml><?xml version="1.0" encoding="utf-8"?>
 <p:sld xmlns:a="http://schemas.openxmlformats.org/drawingml/2006/main" xmlns:r="http://schemas.openxmlformats.org/officeDocument/2006/relationships" xmlns:p="http://schemas.openxmlformats.org/presentationml/2006/main">
   <p:cSld>
     <p:spTree>
@@ -9735,7 +10569,7 @@
 </p:sld>
 </file>
 
-<file path=ppt/slides/slide48.xml><?xml version="1.0" encoding="utf-8"?>
+<file path=ppt/slides/slide52.xml><?xml version="1.0" encoding="utf-8"?>
 <p:sld xmlns:a="http://schemas.openxmlformats.org/drawingml/2006/main" xmlns:r="http://schemas.openxmlformats.org/officeDocument/2006/relationships" xmlns:p="http://schemas.openxmlformats.org/presentationml/2006/main">
   <p:cSld>
     <p:spTree>
@@ -9926,6 +10760,36 @@
               <a:t> --target=wasm32-unknown-emscripten hello.rs -o hello.html</a:t>
             </a:r>
             <a:endParaRPr lang="ru-RU" sz="1200" dirty="0"/>
+          </a:p>
+        </p:txBody>
+      </p:sp>
+      <p:sp>
+        <p:nvSpPr>
+          <p:cNvPr id="6" name="TextBox 5"/>
+          <p:cNvSpPr txBox="1"/>
+          <p:nvPr/>
+        </p:nvSpPr>
+        <p:spPr>
+          <a:xfrm>
+            <a:off x="7756072" y="3683075"/>
+            <a:ext cx="2404826" cy="523220"/>
+          </a:xfrm>
+          <a:prstGeom prst="rect">
+            <a:avLst/>
+          </a:prstGeom>
+          <a:noFill/>
+        </p:spPr>
+        <p:txBody>
+          <a:bodyPr wrap="none" rtlCol="0">
+            <a:spAutoFit/>
+          </a:bodyPr>
+          <a:lstStyle/>
+          <a:p>
+            <a:r>
+              <a:rPr lang="en-US" sz="2800" dirty="0" err="1" smtClean="0"/>
+              <a:t>AssemblyScript</a:t>
+            </a:r>
+            <a:endParaRPr lang="en-US" sz="2800" dirty="0"/>
           </a:p>
         </p:txBody>
       </p:sp>
@@ -9949,7 +10813,7 @@
 </p:sld>
 </file>
 
-<file path=ppt/slides/slide49.xml><?xml version="1.0" encoding="utf-8"?>
+<file path=ppt/slides/slide53.xml><?xml version="1.0" encoding="utf-8"?>
 <p:sld xmlns:a="http://schemas.openxmlformats.org/drawingml/2006/main" xmlns:r="http://schemas.openxmlformats.org/officeDocument/2006/relationships" xmlns:p="http://schemas.openxmlformats.org/presentationml/2006/main">
   <p:cSld>
     <p:spTree>
@@ -10020,11 +10884,7 @@
           <a:p>
             <a:r>
               <a:rPr lang="en-US" dirty="0"/>
-              <a:t>foreign function interface (FFI</a:t>
-            </a:r>
-            <a:r>
-              <a:rPr lang="en-US" dirty="0"/>
-              <a:t>)</a:t>
+              <a:t>foreign function interface (FFI)</a:t>
             </a:r>
             <a:endParaRPr lang="ru-RU" dirty="0"/>
           </a:p>
@@ -10050,274 +10910,7 @@
 </p:sld>
 </file>
 
-<file path=ppt/slides/slide5.xml><?xml version="1.0" encoding="utf-8"?>
-<p:sld xmlns:a="http://schemas.openxmlformats.org/drawingml/2006/main" xmlns:r="http://schemas.openxmlformats.org/officeDocument/2006/relationships" xmlns:p="http://schemas.openxmlformats.org/presentationml/2006/main">
-  <p:cSld>
-    <p:spTree>
-      <p:nvGrpSpPr>
-        <p:cNvPr id="1" name=""/>
-        <p:cNvGrpSpPr/>
-        <p:nvPr/>
-      </p:nvGrpSpPr>
-      <p:grpSpPr>
-        <a:xfrm>
-          <a:off x="0" y="0"/>
-          <a:ext cx="0" cy="0"/>
-          <a:chOff x="0" y="0"/>
-          <a:chExt cx="0" cy="0"/>
-        </a:xfrm>
-      </p:grpSpPr>
-      <p:sp>
-        <p:nvSpPr>
-          <p:cNvPr id="2" name="Заголовок 1"/>
-          <p:cNvSpPr>
-            <a:spLocks noGrp="1"/>
-          </p:cNvSpPr>
-          <p:nvPr>
-            <p:ph type="title"/>
-          </p:nvPr>
-        </p:nvSpPr>
-        <p:spPr/>
-        <p:txBody>
-          <a:bodyPr/>
-          <a:lstStyle/>
-          <a:p>
-            <a:r>
-              <a:rPr lang="en-US" dirty="0" smtClean="0"/>
-              <a:t>JS Data Types</a:t>
-            </a:r>
-            <a:endParaRPr lang="ru-RU" dirty="0"/>
-          </a:p>
-        </p:txBody>
-      </p:sp>
-      <p:sp>
-        <p:nvSpPr>
-          <p:cNvPr id="3" name="Объект 2"/>
-          <p:cNvSpPr>
-            <a:spLocks noGrp="1"/>
-          </p:cNvSpPr>
-          <p:nvPr>
-            <p:ph sz="half" idx="1"/>
-          </p:nvPr>
-        </p:nvSpPr>
-        <p:spPr/>
-        <p:txBody>
-          <a:bodyPr>
-            <a:normAutofit fontScale="55000" lnSpcReduction="20000"/>
-          </a:bodyPr>
-          <a:lstStyle/>
-          <a:p>
-            <a:r>
-              <a:rPr lang="en-US" dirty="0"/>
-              <a:t>N</a:t>
-            </a:r>
-            <a:r>
-              <a:rPr lang="en-US" dirty="0" smtClean="0"/>
-              <a:t>umber</a:t>
-            </a:r>
-            <a:endParaRPr lang="en-US" dirty="0"/>
-          </a:p>
-          <a:p>
-            <a:r>
-              <a:rPr lang="en-US" dirty="0" smtClean="0"/>
-              <a:t>String</a:t>
-            </a:r>
-            <a:endParaRPr lang="en-US" dirty="0"/>
-          </a:p>
-          <a:p>
-            <a:r>
-              <a:rPr lang="en-US" dirty="0" smtClean="0"/>
-              <a:t>Boolean</a:t>
-            </a:r>
-            <a:endParaRPr lang="en-US" dirty="0"/>
-          </a:p>
-          <a:p>
-            <a:r>
-              <a:rPr lang="en-US" dirty="0" smtClean="0"/>
-              <a:t>Null</a:t>
-            </a:r>
-            <a:endParaRPr lang="en-US" dirty="0"/>
-          </a:p>
-          <a:p>
-            <a:r>
-              <a:rPr lang="en-US" dirty="0" smtClean="0"/>
-              <a:t>Undefined</a:t>
-            </a:r>
-            <a:endParaRPr lang="en-US" dirty="0"/>
-          </a:p>
-          <a:p>
-            <a:r>
-              <a:rPr lang="en-US" dirty="0" smtClean="0"/>
-              <a:t>Objects</a:t>
-            </a:r>
-            <a:endParaRPr lang="en-US" dirty="0"/>
-          </a:p>
-          <a:p>
-            <a:r>
-              <a:rPr lang="en-US" dirty="0"/>
-              <a:t>Array (object)</a:t>
-            </a:r>
-          </a:p>
-          <a:p>
-            <a:r>
-              <a:rPr lang="ru-RU" dirty="0" err="1"/>
-              <a:t>RegExp</a:t>
-            </a:r>
-            <a:r>
-              <a:rPr lang="en-US" dirty="0"/>
-              <a:t> (object/</a:t>
-            </a:r>
-            <a:r>
-              <a:rPr lang="ru-RU" dirty="0" err="1"/>
-              <a:t>function</a:t>
-            </a:r>
-            <a:r>
-              <a:rPr lang="en-US" dirty="0"/>
-              <a:t>)</a:t>
-            </a:r>
-            <a:endParaRPr lang="ru-RU" dirty="0"/>
-          </a:p>
-          <a:p>
-            <a:r>
-              <a:rPr lang="en-US" dirty="0" smtClean="0"/>
-              <a:t>Function</a:t>
-            </a:r>
-            <a:endParaRPr lang="en-US" dirty="0"/>
-          </a:p>
-          <a:p>
-            <a:r>
-              <a:rPr lang="ru-RU" dirty="0" err="1"/>
-              <a:t>Symbol</a:t>
-            </a:r>
-            <a:endParaRPr lang="ru-RU" dirty="0"/>
-          </a:p>
-          <a:p>
-            <a:r>
-              <a:rPr lang="en-US" dirty="0"/>
-              <a:t>Map</a:t>
-            </a:r>
-          </a:p>
-          <a:p>
-            <a:r>
-              <a:rPr lang="en-US" dirty="0"/>
-              <a:t>Set</a:t>
-            </a:r>
-          </a:p>
-          <a:p>
-            <a:r>
-              <a:rPr lang="en-US" dirty="0" err="1"/>
-              <a:t>WeakMap</a:t>
-            </a:r>
-            <a:endParaRPr lang="en-US" dirty="0"/>
-          </a:p>
-          <a:p>
-            <a:r>
-              <a:rPr lang="en-US" dirty="0" err="1"/>
-              <a:t>WeakSet</a:t>
-            </a:r>
-            <a:endParaRPr lang="en-US" dirty="0"/>
-          </a:p>
-          <a:p>
-            <a:endParaRPr lang="ru-RU" dirty="0"/>
-          </a:p>
-        </p:txBody>
-      </p:sp>
-      <p:sp>
-        <p:nvSpPr>
-          <p:cNvPr id="4" name="Объект 3"/>
-          <p:cNvSpPr>
-            <a:spLocks noGrp="1"/>
-          </p:cNvSpPr>
-          <p:nvPr>
-            <p:ph sz="half" idx="2"/>
-          </p:nvPr>
-        </p:nvSpPr>
-        <p:spPr/>
-        <p:txBody>
-          <a:bodyPr>
-            <a:normAutofit fontScale="55000" lnSpcReduction="20000"/>
-          </a:bodyPr>
-          <a:lstStyle/>
-          <a:p>
-            <a:r>
-              <a:rPr lang="ru-RU" dirty="0"/>
-              <a:t>Int8Array</a:t>
-            </a:r>
-          </a:p>
-          <a:p>
-            <a:r>
-              <a:rPr lang="ru-RU" dirty="0"/>
-              <a:t>Uint8Array</a:t>
-            </a:r>
-          </a:p>
-          <a:p>
-            <a:r>
-              <a:rPr lang="ru-RU" dirty="0"/>
-              <a:t>Uint8ClampedArray</a:t>
-            </a:r>
-          </a:p>
-          <a:p>
-            <a:r>
-              <a:rPr lang="ru-RU" dirty="0"/>
-              <a:t>Int16Array</a:t>
-            </a:r>
-          </a:p>
-          <a:p>
-            <a:r>
-              <a:rPr lang="ru-RU" dirty="0"/>
-              <a:t>Uint16Array</a:t>
-            </a:r>
-          </a:p>
-          <a:p>
-            <a:r>
-              <a:rPr lang="ru-RU" dirty="0"/>
-              <a:t>Int32Array</a:t>
-            </a:r>
-          </a:p>
-          <a:p>
-            <a:r>
-              <a:rPr lang="ru-RU" dirty="0"/>
-              <a:t>Uint32Array</a:t>
-            </a:r>
-          </a:p>
-          <a:p>
-            <a:r>
-              <a:rPr lang="ru-RU" dirty="0"/>
-              <a:t>Float32Array</a:t>
-            </a:r>
-          </a:p>
-          <a:p>
-            <a:r>
-              <a:rPr lang="ru-RU" dirty="0"/>
-              <a:t>Float64Array</a:t>
-            </a:r>
-          </a:p>
-          <a:p>
-            <a:endParaRPr lang="ru-RU" dirty="0"/>
-          </a:p>
-        </p:txBody>
-      </p:sp>
-    </p:spTree>
-    <p:extLst>
-      <p:ext uri="{BB962C8B-B14F-4D97-AF65-F5344CB8AC3E}">
-        <p14:creationId xmlns:p14="http://schemas.microsoft.com/office/powerpoint/2010/main" val="2130251449"/>
-      </p:ext>
-    </p:extLst>
-  </p:cSld>
-  <p:clrMapOvr>
-    <a:masterClrMapping/>
-  </p:clrMapOvr>
-  <p:timing>
-    <p:tnLst>
-      <p:par>
-        <p:cTn id="1" dur="indefinite" restart="never" nodeType="tmRoot"/>
-      </p:par>
-    </p:tnLst>
-  </p:timing>
-</p:sld>
-</file>
-
-<file path=ppt/slides/slide50.xml><?xml version="1.0" encoding="utf-8"?>
+<file path=ppt/slides/slide54.xml><?xml version="1.0" encoding="utf-8"?>
 <p:sld xmlns:a="http://schemas.openxmlformats.org/drawingml/2006/main" xmlns:r="http://schemas.openxmlformats.org/officeDocument/2006/relationships" xmlns:p="http://schemas.openxmlformats.org/presentationml/2006/main">
   <p:cSld>
     <p:spTree>
@@ -10509,7 +11102,7 @@
 </p:sld>
 </file>
 
-<file path=ppt/slides/slide51.xml><?xml version="1.0" encoding="utf-8"?>
+<file path=ppt/slides/slide55.xml><?xml version="1.0" encoding="utf-8"?>
 <p:sld xmlns:a="http://schemas.openxmlformats.org/drawingml/2006/main" xmlns:r="http://schemas.openxmlformats.org/officeDocument/2006/relationships" xmlns:p="http://schemas.openxmlformats.org/presentationml/2006/main">
   <p:cSld>
     <p:spTree>
@@ -10632,7 +11225,7 @@
 </p:sld>
 </file>
 
-<file path=ppt/slides/slide52.xml><?xml version="1.0" encoding="utf-8"?>
+<file path=ppt/slides/slide56.xml><?xml version="1.0" encoding="utf-8"?>
 <p:sld xmlns:a="http://schemas.openxmlformats.org/drawingml/2006/main" xmlns:r="http://schemas.openxmlformats.org/officeDocument/2006/relationships" xmlns:p="http://schemas.openxmlformats.org/presentationml/2006/main">
   <p:cSld>
     <p:spTree>
@@ -10726,7 +11319,7 @@
 </p:sld>
 </file>
 
-<file path=ppt/slides/slide53.xml><?xml version="1.0" encoding="utf-8"?>
+<file path=ppt/slides/slide57.xml><?xml version="1.0" encoding="utf-8"?>
 <p:sld xmlns:a="http://schemas.openxmlformats.org/drawingml/2006/main" xmlns:r="http://schemas.openxmlformats.org/officeDocument/2006/relationships" xmlns:p="http://schemas.openxmlformats.org/presentationml/2006/main">
   <p:cSld>
     <p:spTree>
@@ -11326,7 +11919,7 @@
 </p:sld>
 </file>
 
-<file path=ppt/slides/slide54.xml><?xml version="1.0" encoding="utf-8"?>
+<file path=ppt/slides/slide58.xml><?xml version="1.0" encoding="utf-8"?>
 <p:sld xmlns:a="http://schemas.openxmlformats.org/drawingml/2006/main" xmlns:r="http://schemas.openxmlformats.org/officeDocument/2006/relationships" xmlns:p="http://schemas.openxmlformats.org/presentationml/2006/main">
   <p:cSld>
     <p:spTree>
@@ -11507,7 +12100,7 @@
 </p:sld>
 </file>
 
-<file path=ppt/slides/slide55.xml><?xml version="1.0" encoding="utf-8"?>
+<file path=ppt/slides/slide59.xml><?xml version="1.0" encoding="utf-8"?>
 <p:sld xmlns:a="http://schemas.openxmlformats.org/drawingml/2006/main" xmlns:r="http://schemas.openxmlformats.org/officeDocument/2006/relationships" xmlns:p="http://schemas.openxmlformats.org/presentationml/2006/main">
   <p:cSld>
     <p:spTree>
@@ -11724,244 +12317,6 @@
     <p:extLst>
       <p:ext uri="{BB962C8B-B14F-4D97-AF65-F5344CB8AC3E}">
         <p14:creationId xmlns:p14="http://schemas.microsoft.com/office/powerpoint/2010/main" val="2364244793"/>
-      </p:ext>
-    </p:extLst>
-  </p:cSld>
-  <p:clrMapOvr>
-    <a:masterClrMapping/>
-  </p:clrMapOvr>
-  <p:timing>
-    <p:tnLst>
-      <p:par>
-        <p:cTn id="1" dur="indefinite" restart="never" nodeType="tmRoot"/>
-      </p:par>
-    </p:tnLst>
-  </p:timing>
-</p:sld>
-</file>
-
-<file path=ppt/slides/slide56.xml><?xml version="1.0" encoding="utf-8"?>
-<p:sld xmlns:a="http://schemas.openxmlformats.org/drawingml/2006/main" xmlns:r="http://schemas.openxmlformats.org/officeDocument/2006/relationships" xmlns:p="http://schemas.openxmlformats.org/presentationml/2006/main">
-  <p:cSld>
-    <p:spTree>
-      <p:nvGrpSpPr>
-        <p:cNvPr id="1" name=""/>
-        <p:cNvGrpSpPr/>
-        <p:nvPr/>
-      </p:nvGrpSpPr>
-      <p:grpSpPr>
-        <a:xfrm>
-          <a:off x="0" y="0"/>
-          <a:ext cx="0" cy="0"/>
-          <a:chOff x="0" y="0"/>
-          <a:chExt cx="0" cy="0"/>
-        </a:xfrm>
-      </p:grpSpPr>
-      <p:sp>
-        <p:nvSpPr>
-          <p:cNvPr id="2" name="Заголовок 1"/>
-          <p:cNvSpPr>
-            <a:spLocks noGrp="1"/>
-          </p:cNvSpPr>
-          <p:nvPr>
-            <p:ph type="title"/>
-          </p:nvPr>
-        </p:nvSpPr>
-        <p:spPr/>
-        <p:txBody>
-          <a:bodyPr/>
-          <a:lstStyle/>
-          <a:p>
-            <a:r>
-              <a:rPr lang="ru-RU" dirty="0" smtClean="0"/>
-              <a:t>Присоединяйтесь</a:t>
-            </a:r>
-            <a:endParaRPr lang="ru-RU" dirty="0"/>
-          </a:p>
-        </p:txBody>
-      </p:sp>
-      <p:sp>
-        <p:nvSpPr>
-          <p:cNvPr id="3" name="Объект 2"/>
-          <p:cNvSpPr>
-            <a:spLocks noGrp="1"/>
-          </p:cNvSpPr>
-          <p:nvPr>
-            <p:ph idx="1"/>
-          </p:nvPr>
-        </p:nvSpPr>
-        <p:spPr/>
-        <p:txBody>
-          <a:bodyPr/>
-          <a:lstStyle/>
-          <a:p>
-            <a:pPr marL="0" indent="0">
-              <a:buNone/>
-            </a:pPr>
-            <a:r>
-              <a:rPr lang="en-US" dirty="0">
-                <a:hlinkClick r:id="rId2"/>
-              </a:rPr>
-              <a:t>https://</a:t>
-            </a:r>
-            <a:r>
-              <a:rPr lang="en-US" dirty="0" smtClean="0">
-                <a:hlinkClick r:id="rId2"/>
-              </a:rPr>
-              <a:t>github.com/AGanyushkin/teraflops</a:t>
-            </a:r>
-            <a:endParaRPr lang="ru-RU" dirty="0" smtClean="0"/>
-          </a:p>
-          <a:p>
-            <a:pPr marL="0" indent="0">
-              <a:buNone/>
-            </a:pPr>
-            <a:endParaRPr lang="ru-RU" dirty="0"/>
-          </a:p>
-          <a:p>
-            <a:pPr marL="0" indent="0">
-              <a:buNone/>
-            </a:pPr>
-            <a:endParaRPr lang="ru-RU" dirty="0"/>
-          </a:p>
-        </p:txBody>
-      </p:sp>
-      <p:pic>
-        <p:nvPicPr>
-          <p:cNvPr id="4" name="Рисунок 3"/>
-          <p:cNvPicPr>
-            <a:picLocks noChangeAspect="1"/>
-          </p:cNvPicPr>
-          <p:nvPr/>
-        </p:nvPicPr>
-        <p:blipFill>
-          <a:blip r:embed="rId3">
-            <a:extLst>
-              <a:ext uri="{28A0092B-C50C-407E-A947-70E740481C1C}">
-                <a14:useLocalDpi xmlns:a14="http://schemas.microsoft.com/office/drawing/2010/main" val="0"/>
-              </a:ext>
-            </a:extLst>
-          </a:blip>
-          <a:stretch>
-            <a:fillRect/>
-          </a:stretch>
-        </p:blipFill>
-        <p:spPr>
-          <a:xfrm>
-            <a:off x="1447801" y="2352241"/>
-            <a:ext cx="6133177" cy="6498683"/>
-          </a:xfrm>
-          <a:prstGeom prst="rect">
-            <a:avLst/>
-          </a:prstGeom>
-        </p:spPr>
-      </p:pic>
-      <p:sp>
-        <p:nvSpPr>
-          <p:cNvPr id="5" name="TextBox 4"/>
-          <p:cNvSpPr txBox="1"/>
-          <p:nvPr/>
-        </p:nvSpPr>
-        <p:spPr>
-          <a:xfrm>
-            <a:off x="9343292" y="3124131"/>
-            <a:ext cx="1019908" cy="1754326"/>
-          </a:xfrm>
-          <a:prstGeom prst="rect">
-            <a:avLst/>
-          </a:prstGeom>
-          <a:noFill/>
-        </p:spPr>
-        <p:txBody>
-          <a:bodyPr wrap="square" rtlCol="0">
-            <a:spAutoFit/>
-          </a:bodyPr>
-          <a:lstStyle/>
-          <a:p>
-            <a:r>
-              <a:rPr lang="en-US" sz="3600" dirty="0" smtClean="0"/>
-              <a:t>Java</a:t>
-            </a:r>
-          </a:p>
-          <a:p>
-            <a:r>
-              <a:rPr lang="en-US" sz="3600" dirty="0" smtClean="0"/>
-              <a:t>C++</a:t>
-            </a:r>
-          </a:p>
-          <a:p>
-            <a:r>
-              <a:rPr lang="en-US" sz="3600" dirty="0" smtClean="0"/>
-              <a:t>Rust</a:t>
-            </a:r>
-            <a:endParaRPr lang="ru-RU" sz="3600" dirty="0"/>
-          </a:p>
-        </p:txBody>
-      </p:sp>
-    </p:spTree>
-    <p:extLst>
-      <p:ext uri="{BB962C8B-B14F-4D97-AF65-F5344CB8AC3E}">
-        <p14:creationId xmlns:p14="http://schemas.microsoft.com/office/powerpoint/2010/main" val="230223974"/>
-      </p:ext>
-    </p:extLst>
-  </p:cSld>
-  <p:clrMapOvr>
-    <a:masterClrMapping/>
-  </p:clrMapOvr>
-  <p:timing>
-    <p:tnLst>
-      <p:par>
-        <p:cTn id="1" dur="indefinite" restart="never" nodeType="tmRoot"/>
-      </p:par>
-    </p:tnLst>
-  </p:timing>
-</p:sld>
-</file>
-
-<file path=ppt/slides/slide57.xml><?xml version="1.0" encoding="utf-8"?>
-<p:sld xmlns:a="http://schemas.openxmlformats.org/drawingml/2006/main" xmlns:r="http://schemas.openxmlformats.org/officeDocument/2006/relationships" xmlns:p="http://schemas.openxmlformats.org/presentationml/2006/main">
-  <p:cSld>
-    <p:spTree>
-      <p:nvGrpSpPr>
-        <p:cNvPr id="1" name=""/>
-        <p:cNvGrpSpPr/>
-        <p:nvPr/>
-      </p:nvGrpSpPr>
-      <p:grpSpPr>
-        <a:xfrm>
-          <a:off x="0" y="0"/>
-          <a:ext cx="0" cy="0"/>
-          <a:chOff x="0" y="0"/>
-          <a:chExt cx="0" cy="0"/>
-        </a:xfrm>
-      </p:grpSpPr>
-      <p:sp>
-        <p:nvSpPr>
-          <p:cNvPr id="4" name="Заголовок 3"/>
-          <p:cNvSpPr>
-            <a:spLocks noGrp="1"/>
-          </p:cNvSpPr>
-          <p:nvPr>
-            <p:ph type="ctrTitle"/>
-          </p:nvPr>
-        </p:nvSpPr>
-        <p:spPr/>
-        <p:txBody>
-          <a:bodyPr/>
-          <a:lstStyle/>
-          <a:p>
-            <a:r>
-              <a:rPr lang="ru-RU" dirty="0" smtClean="0"/>
-              <a:t>Спасибо!</a:t>
-            </a:r>
-            <a:endParaRPr lang="ru-RU" dirty="0"/>
-          </a:p>
-        </p:txBody>
-      </p:sp>
-    </p:spTree>
-    <p:extLst>
-      <p:ext uri="{BB962C8B-B14F-4D97-AF65-F5344CB8AC3E}">
-        <p14:creationId xmlns:p14="http://schemas.microsoft.com/office/powerpoint/2010/main" val="574702054"/>
       </p:ext>
     </p:extLst>
   </p:cSld>
@@ -12377,6 +12732,244 @@
     <p:extLst>
       <p:ext uri="{BB962C8B-B14F-4D97-AF65-F5344CB8AC3E}">
         <p14:creationId xmlns:p14="http://schemas.microsoft.com/office/powerpoint/2010/main" val="2279166378"/>
+      </p:ext>
+    </p:extLst>
+  </p:cSld>
+  <p:clrMapOvr>
+    <a:masterClrMapping/>
+  </p:clrMapOvr>
+  <p:timing>
+    <p:tnLst>
+      <p:par>
+        <p:cTn id="1" dur="indefinite" restart="never" nodeType="tmRoot"/>
+      </p:par>
+    </p:tnLst>
+  </p:timing>
+</p:sld>
+</file>
+
+<file path=ppt/slides/slide60.xml><?xml version="1.0" encoding="utf-8"?>
+<p:sld xmlns:a="http://schemas.openxmlformats.org/drawingml/2006/main" xmlns:r="http://schemas.openxmlformats.org/officeDocument/2006/relationships" xmlns:p="http://schemas.openxmlformats.org/presentationml/2006/main">
+  <p:cSld>
+    <p:spTree>
+      <p:nvGrpSpPr>
+        <p:cNvPr id="1" name=""/>
+        <p:cNvGrpSpPr/>
+        <p:nvPr/>
+      </p:nvGrpSpPr>
+      <p:grpSpPr>
+        <a:xfrm>
+          <a:off x="0" y="0"/>
+          <a:ext cx="0" cy="0"/>
+          <a:chOff x="0" y="0"/>
+          <a:chExt cx="0" cy="0"/>
+        </a:xfrm>
+      </p:grpSpPr>
+      <p:sp>
+        <p:nvSpPr>
+          <p:cNvPr id="2" name="Заголовок 1"/>
+          <p:cNvSpPr>
+            <a:spLocks noGrp="1"/>
+          </p:cNvSpPr>
+          <p:nvPr>
+            <p:ph type="title"/>
+          </p:nvPr>
+        </p:nvSpPr>
+        <p:spPr/>
+        <p:txBody>
+          <a:bodyPr/>
+          <a:lstStyle/>
+          <a:p>
+            <a:r>
+              <a:rPr lang="ru-RU" dirty="0" smtClean="0"/>
+              <a:t>Присоединяйтесь</a:t>
+            </a:r>
+            <a:endParaRPr lang="ru-RU" dirty="0"/>
+          </a:p>
+        </p:txBody>
+      </p:sp>
+      <p:sp>
+        <p:nvSpPr>
+          <p:cNvPr id="3" name="Объект 2"/>
+          <p:cNvSpPr>
+            <a:spLocks noGrp="1"/>
+          </p:cNvSpPr>
+          <p:nvPr>
+            <p:ph idx="1"/>
+          </p:nvPr>
+        </p:nvSpPr>
+        <p:spPr/>
+        <p:txBody>
+          <a:bodyPr/>
+          <a:lstStyle/>
+          <a:p>
+            <a:pPr marL="0" indent="0">
+              <a:buNone/>
+            </a:pPr>
+            <a:r>
+              <a:rPr lang="en-US" dirty="0">
+                <a:hlinkClick r:id="rId2"/>
+              </a:rPr>
+              <a:t>https://</a:t>
+            </a:r>
+            <a:r>
+              <a:rPr lang="en-US" dirty="0" smtClean="0">
+                <a:hlinkClick r:id="rId2"/>
+              </a:rPr>
+              <a:t>github.com/AGanyushkin/teraflops</a:t>
+            </a:r>
+            <a:endParaRPr lang="ru-RU" dirty="0" smtClean="0"/>
+          </a:p>
+          <a:p>
+            <a:pPr marL="0" indent="0">
+              <a:buNone/>
+            </a:pPr>
+            <a:endParaRPr lang="ru-RU" dirty="0"/>
+          </a:p>
+          <a:p>
+            <a:pPr marL="0" indent="0">
+              <a:buNone/>
+            </a:pPr>
+            <a:endParaRPr lang="ru-RU" dirty="0"/>
+          </a:p>
+        </p:txBody>
+      </p:sp>
+      <p:pic>
+        <p:nvPicPr>
+          <p:cNvPr id="4" name="Рисунок 3"/>
+          <p:cNvPicPr>
+            <a:picLocks noChangeAspect="1"/>
+          </p:cNvPicPr>
+          <p:nvPr/>
+        </p:nvPicPr>
+        <p:blipFill>
+          <a:blip r:embed="rId3">
+            <a:extLst>
+              <a:ext uri="{28A0092B-C50C-407E-A947-70E740481C1C}">
+                <a14:useLocalDpi xmlns:a14="http://schemas.microsoft.com/office/drawing/2010/main" val="0"/>
+              </a:ext>
+            </a:extLst>
+          </a:blip>
+          <a:stretch>
+            <a:fillRect/>
+          </a:stretch>
+        </p:blipFill>
+        <p:spPr>
+          <a:xfrm>
+            <a:off x="1447801" y="2352241"/>
+            <a:ext cx="6133177" cy="6498683"/>
+          </a:xfrm>
+          <a:prstGeom prst="rect">
+            <a:avLst/>
+          </a:prstGeom>
+        </p:spPr>
+      </p:pic>
+      <p:sp>
+        <p:nvSpPr>
+          <p:cNvPr id="5" name="TextBox 4"/>
+          <p:cNvSpPr txBox="1"/>
+          <p:nvPr/>
+        </p:nvSpPr>
+        <p:spPr>
+          <a:xfrm>
+            <a:off x="9343292" y="3124131"/>
+            <a:ext cx="1019908" cy="1754326"/>
+          </a:xfrm>
+          <a:prstGeom prst="rect">
+            <a:avLst/>
+          </a:prstGeom>
+          <a:noFill/>
+        </p:spPr>
+        <p:txBody>
+          <a:bodyPr wrap="square" rtlCol="0">
+            <a:spAutoFit/>
+          </a:bodyPr>
+          <a:lstStyle/>
+          <a:p>
+            <a:r>
+              <a:rPr lang="en-US" sz="3600" dirty="0" smtClean="0"/>
+              <a:t>Java</a:t>
+            </a:r>
+          </a:p>
+          <a:p>
+            <a:r>
+              <a:rPr lang="en-US" sz="3600" dirty="0" smtClean="0"/>
+              <a:t>C++</a:t>
+            </a:r>
+          </a:p>
+          <a:p>
+            <a:r>
+              <a:rPr lang="en-US" sz="3600" dirty="0" smtClean="0"/>
+              <a:t>Rust</a:t>
+            </a:r>
+            <a:endParaRPr lang="ru-RU" sz="3600" dirty="0"/>
+          </a:p>
+        </p:txBody>
+      </p:sp>
+    </p:spTree>
+    <p:extLst>
+      <p:ext uri="{BB962C8B-B14F-4D97-AF65-F5344CB8AC3E}">
+        <p14:creationId xmlns:p14="http://schemas.microsoft.com/office/powerpoint/2010/main" val="230223974"/>
+      </p:ext>
+    </p:extLst>
+  </p:cSld>
+  <p:clrMapOvr>
+    <a:masterClrMapping/>
+  </p:clrMapOvr>
+  <p:timing>
+    <p:tnLst>
+      <p:par>
+        <p:cTn id="1" dur="indefinite" restart="never" nodeType="tmRoot"/>
+      </p:par>
+    </p:tnLst>
+  </p:timing>
+</p:sld>
+</file>
+
+<file path=ppt/slides/slide61.xml><?xml version="1.0" encoding="utf-8"?>
+<p:sld xmlns:a="http://schemas.openxmlformats.org/drawingml/2006/main" xmlns:r="http://schemas.openxmlformats.org/officeDocument/2006/relationships" xmlns:p="http://schemas.openxmlformats.org/presentationml/2006/main">
+  <p:cSld>
+    <p:spTree>
+      <p:nvGrpSpPr>
+        <p:cNvPr id="1" name=""/>
+        <p:cNvGrpSpPr/>
+        <p:nvPr/>
+      </p:nvGrpSpPr>
+      <p:grpSpPr>
+        <a:xfrm>
+          <a:off x="0" y="0"/>
+          <a:ext cx="0" cy="0"/>
+          <a:chOff x="0" y="0"/>
+          <a:chExt cx="0" cy="0"/>
+        </a:xfrm>
+      </p:grpSpPr>
+      <p:sp>
+        <p:nvSpPr>
+          <p:cNvPr id="4" name="Заголовок 3"/>
+          <p:cNvSpPr>
+            <a:spLocks noGrp="1"/>
+          </p:cNvSpPr>
+          <p:nvPr>
+            <p:ph type="ctrTitle"/>
+          </p:nvPr>
+        </p:nvSpPr>
+        <p:spPr/>
+        <p:txBody>
+          <a:bodyPr/>
+          <a:lstStyle/>
+          <a:p>
+            <a:r>
+              <a:rPr lang="ru-RU" dirty="0" smtClean="0"/>
+              <a:t>Спасибо!</a:t>
+            </a:r>
+            <a:endParaRPr lang="ru-RU" dirty="0"/>
+          </a:p>
+        </p:txBody>
+      </p:sp>
+    </p:spTree>
+    <p:extLst>
+      <p:ext uri="{BB962C8B-B14F-4D97-AF65-F5344CB8AC3E}">
+        <p14:creationId xmlns:p14="http://schemas.microsoft.com/office/powerpoint/2010/main" val="574702054"/>
       </p:ext>
     </p:extLst>
   </p:cSld>
